--- a/Python Fundamentals for Data Engineers and Data Scientists.pptx
+++ b/Python Fundamentals for Data Engineers and Data Scientists.pptx
@@ -8,7 +8,7 @@
     <p:sldMasterId id="2147483676" r:id="rId7"/>
   </p:sldMasterIdLst>
   <p:notesMasterIdLst>
-    <p:notesMasterId r:id="rId18"/>
+    <p:notesMasterId r:id="rId27"/>
   </p:notesMasterIdLst>
   <p:sldIdLst>
     <p:sldId id="304" r:id="rId8"/>
@@ -16,11 +16,20 @@
     <p:sldId id="306" r:id="rId10"/>
     <p:sldId id="307" r:id="rId11"/>
     <p:sldId id="308" r:id="rId12"/>
-    <p:sldId id="298" r:id="rId13"/>
-    <p:sldId id="300" r:id="rId14"/>
-    <p:sldId id="301" r:id="rId15"/>
-    <p:sldId id="302" r:id="rId16"/>
-    <p:sldId id="303" r:id="rId17"/>
+    <p:sldId id="309" r:id="rId13"/>
+    <p:sldId id="310" r:id="rId14"/>
+    <p:sldId id="311" r:id="rId15"/>
+    <p:sldId id="317" r:id="rId16"/>
+    <p:sldId id="312" r:id="rId17"/>
+    <p:sldId id="313" r:id="rId18"/>
+    <p:sldId id="314" r:id="rId19"/>
+    <p:sldId id="315" r:id="rId20"/>
+    <p:sldId id="316" r:id="rId21"/>
+    <p:sldId id="298" r:id="rId22"/>
+    <p:sldId id="300" r:id="rId23"/>
+    <p:sldId id="301" r:id="rId24"/>
+    <p:sldId id="302" r:id="rId25"/>
+    <p:sldId id="303" r:id="rId26"/>
   </p:sldIdLst>
   <p:sldSz cx="20104100" cy="11309350"/>
   <p:notesSz cx="20104100" cy="11309350"/>
@@ -220,7 +229,7 @@
           <a:p>
             <a:fld id="{9583188F-74F4-7A41-9CFF-649E932BCE61}" type="datetimeFigureOut">
               <a:rPr lang="en-NL" smtClean="0"/>
-              <a:t>17/10/2022</a:t>
+              <a:t>19/10/2022</a:t>
             </a:fld>
             <a:endParaRPr lang="en-NL"/>
           </a:p>
@@ -486,6 +495,218 @@
     </a:lvl9pPr>
   </p:notesStyle>
 </p:notesMaster>
+</file>
+
+<file path=ppt/notesSlides/notesSlide1.xml><?xml version="1.0" encoding="utf-8"?>
+<p:notes xmlns:a="http://schemas.openxmlformats.org/drawingml/2006/main" xmlns:r="http://schemas.openxmlformats.org/officeDocument/2006/relationships" xmlns:p="http://schemas.openxmlformats.org/presentationml/2006/main">
+  <p:cSld>
+    <p:spTree>
+      <p:nvGrpSpPr>
+        <p:cNvPr id="1" name=""/>
+        <p:cNvGrpSpPr/>
+        <p:nvPr/>
+      </p:nvGrpSpPr>
+      <p:grpSpPr>
+        <a:xfrm>
+          <a:off x="0" y="0"/>
+          <a:ext cx="0" cy="0"/>
+          <a:chOff x="0" y="0"/>
+          <a:chExt cx="0" cy="0"/>
+        </a:xfrm>
+      </p:grpSpPr>
+      <p:sp>
+        <p:nvSpPr>
+          <p:cNvPr id="2" name="Slide Image Placeholder 1"/>
+          <p:cNvSpPr>
+            <a:spLocks noGrp="1" noRot="1" noChangeAspect="1"/>
+          </p:cNvSpPr>
+          <p:nvPr>
+            <p:ph type="sldImg"/>
+          </p:nvPr>
+        </p:nvSpPr>
+        <p:spPr/>
+      </p:sp>
+      <p:sp>
+        <p:nvSpPr>
+          <p:cNvPr id="3" name="Notes Placeholder 2"/>
+          <p:cNvSpPr>
+            <a:spLocks noGrp="1"/>
+          </p:cNvSpPr>
+          <p:nvPr>
+            <p:ph type="body" idx="1"/>
+          </p:nvPr>
+        </p:nvSpPr>
+        <p:spPr/>
+        <p:txBody>
+          <a:bodyPr/>
+          <a:lstStyle/>
+          <a:p>
+            <a:pPr marL="0" marR="0" lvl="0" indent="0" algn="l" defTabSz="914400" rtl="0" eaLnBrk="1" fontAlgn="auto" latinLnBrk="0" hangingPunct="1">
+              <a:lnSpc>
+                <a:spcPct val="100000"/>
+              </a:lnSpc>
+              <a:spcBef>
+                <a:spcPts val="0"/>
+              </a:spcBef>
+              <a:spcAft>
+                <a:spcPts val="0"/>
+              </a:spcAft>
+              <a:buClrTx/>
+              <a:buSzTx/>
+              <a:buFontTx/>
+              <a:buNone/>
+              <a:tabLst/>
+              <a:defRPr/>
+            </a:pPr>
+            <a:r>
+              <a:rPr lang="en-NL" dirty="0"/>
+              <a:t>Benoemen: dit is ook een Python refresher!</a:t>
+            </a:r>
+          </a:p>
+          <a:p>
+            <a:r>
+              <a:rPr lang="en-NL" dirty="0"/>
+              <a:t>Rustig doorlopen en bespreken: wat gebeurt er in deze code?</a:t>
+            </a:r>
+          </a:p>
+          <a:p>
+            <a:endParaRPr lang="en-NL" dirty="0"/>
+          </a:p>
+          <a:p>
+            <a:r>
+              <a:rPr lang="en-NL" dirty="0"/>
+              <a:t>Houd de 00_Jupyter_Notebooks op eigen scherm erbij</a:t>
+            </a:r>
+          </a:p>
+          <a:p>
+            <a:r>
+              <a:rPr lang="en-NL" dirty="0"/>
+              <a:t>Vul de 00_Jupyter_Notebooks_empty in.</a:t>
+            </a:r>
+          </a:p>
+          <a:p>
+            <a:endParaRPr lang="en-NL" dirty="0"/>
+          </a:p>
+        </p:txBody>
+      </p:sp>
+      <p:sp>
+        <p:nvSpPr>
+          <p:cNvPr id="4" name="Slide Number Placeholder 3"/>
+          <p:cNvSpPr>
+            <a:spLocks noGrp="1"/>
+          </p:cNvSpPr>
+          <p:nvPr>
+            <p:ph type="sldNum" sz="quarter" idx="5"/>
+          </p:nvPr>
+        </p:nvSpPr>
+        <p:spPr/>
+        <p:txBody>
+          <a:bodyPr/>
+          <a:lstStyle/>
+          <a:p>
+            <a:fld id="{0C31DFCC-29BE-3944-89E7-E9E48251266C}" type="slidenum">
+              <a:rPr lang="en-NL" smtClean="0"/>
+              <a:t>9</a:t>
+            </a:fld>
+            <a:endParaRPr lang="en-NL"/>
+          </a:p>
+        </p:txBody>
+      </p:sp>
+    </p:spTree>
+    <p:extLst>
+      <p:ext uri="{BB962C8B-B14F-4D97-AF65-F5344CB8AC3E}">
+        <p14:creationId xmlns:p14="http://schemas.microsoft.com/office/powerpoint/2010/main" val="2431746972"/>
+      </p:ext>
+    </p:extLst>
+  </p:cSld>
+  <p:clrMapOvr>
+    <a:masterClrMapping/>
+  </p:clrMapOvr>
+</p:notes>
+</file>
+
+<file path=ppt/notesSlides/notesSlide2.xml><?xml version="1.0" encoding="utf-8"?>
+<p:notes xmlns:a="http://schemas.openxmlformats.org/drawingml/2006/main" xmlns:r="http://schemas.openxmlformats.org/officeDocument/2006/relationships" xmlns:p="http://schemas.openxmlformats.org/presentationml/2006/main">
+  <p:cSld>
+    <p:spTree>
+      <p:nvGrpSpPr>
+        <p:cNvPr id="1" name=""/>
+        <p:cNvGrpSpPr/>
+        <p:nvPr/>
+      </p:nvGrpSpPr>
+      <p:grpSpPr>
+        <a:xfrm>
+          <a:off x="0" y="0"/>
+          <a:ext cx="0" cy="0"/>
+          <a:chOff x="0" y="0"/>
+          <a:chExt cx="0" cy="0"/>
+        </a:xfrm>
+      </p:grpSpPr>
+      <p:sp>
+        <p:nvSpPr>
+          <p:cNvPr id="2" name="Slide Image Placeholder 1"/>
+          <p:cNvSpPr>
+            <a:spLocks noGrp="1" noRot="1" noChangeAspect="1"/>
+          </p:cNvSpPr>
+          <p:nvPr>
+            <p:ph type="sldImg"/>
+          </p:nvPr>
+        </p:nvSpPr>
+        <p:spPr/>
+      </p:sp>
+      <p:sp>
+        <p:nvSpPr>
+          <p:cNvPr id="3" name="Notes Placeholder 2"/>
+          <p:cNvSpPr>
+            <a:spLocks noGrp="1"/>
+          </p:cNvSpPr>
+          <p:nvPr>
+            <p:ph type="body" idx="1"/>
+          </p:nvPr>
+        </p:nvSpPr>
+        <p:spPr/>
+        <p:txBody>
+          <a:bodyPr/>
+          <a:lstStyle/>
+          <a:p>
+            <a:endParaRPr lang="en-NL" dirty="0"/>
+          </a:p>
+        </p:txBody>
+      </p:sp>
+      <p:sp>
+        <p:nvSpPr>
+          <p:cNvPr id="4" name="Slide Number Placeholder 3"/>
+          <p:cNvSpPr>
+            <a:spLocks noGrp="1"/>
+          </p:cNvSpPr>
+          <p:nvPr>
+            <p:ph type="sldNum" sz="quarter" idx="5"/>
+          </p:nvPr>
+        </p:nvSpPr>
+        <p:spPr/>
+        <p:txBody>
+          <a:bodyPr/>
+          <a:lstStyle/>
+          <a:p>
+            <a:fld id="{0C31DFCC-29BE-3944-89E7-E9E48251266C}" type="slidenum">
+              <a:rPr lang="en-NL" smtClean="0"/>
+              <a:t>10</a:t>
+            </a:fld>
+            <a:endParaRPr lang="en-NL"/>
+          </a:p>
+        </p:txBody>
+      </p:sp>
+    </p:spTree>
+    <p:extLst>
+      <p:ext uri="{BB962C8B-B14F-4D97-AF65-F5344CB8AC3E}">
+        <p14:creationId xmlns:p14="http://schemas.microsoft.com/office/powerpoint/2010/main" val="3299605050"/>
+      </p:ext>
+    </p:extLst>
+  </p:cSld>
+  <p:clrMapOvr>
+    <a:masterClrMapping/>
+  </p:clrMapOvr>
+</p:notes>
 </file>
 
 <file path=ppt/slideLayouts/slideLayout1.xml><?xml version="1.0" encoding="utf-8"?>
@@ -9485,13 +9706,13 @@
         </p:nvSpPr>
         <p:spPr>
           <a:xfrm>
-            <a:off x="1974850" y="5747068"/>
+            <a:off x="1974850" y="6684491"/>
             <a:ext cx="12973744" cy="914400"/>
           </a:xfrm>
         </p:spPr>
         <p:txBody>
           <a:bodyPr>
-            <a:normAutofit/>
+            <a:normAutofit fontScale="92500"/>
           </a:bodyPr>
           <a:lstStyle/>
           <a:p>
@@ -9563,6 +9784,1845 @@
 </file>
 
 <file path=ppt/slides/slide10.xml><?xml version="1.0" encoding="utf-8"?>
+<p:sld xmlns:a="http://schemas.openxmlformats.org/drawingml/2006/main" xmlns:r="http://schemas.openxmlformats.org/officeDocument/2006/relationships" xmlns:p="http://schemas.openxmlformats.org/presentationml/2006/main">
+  <p:cSld>
+    <p:spTree>
+      <p:nvGrpSpPr>
+        <p:cNvPr id="1" name=""/>
+        <p:cNvGrpSpPr/>
+        <p:nvPr/>
+      </p:nvGrpSpPr>
+      <p:grpSpPr>
+        <a:xfrm>
+          <a:off x="0" y="0"/>
+          <a:ext cx="0" cy="0"/>
+          <a:chOff x="0" y="0"/>
+          <a:chExt cx="0" cy="0"/>
+        </a:xfrm>
+      </p:grpSpPr>
+      <p:sp>
+        <p:nvSpPr>
+          <p:cNvPr id="3" name="Title 2">
+            <a:extLst>
+              <a:ext uri="{FF2B5EF4-FFF2-40B4-BE49-F238E27FC236}">
+                <a16:creationId xmlns:a16="http://schemas.microsoft.com/office/drawing/2014/main" id="{FFDC927A-79F4-2907-3A74-14437EFA4C0E}"/>
+              </a:ext>
+            </a:extLst>
+          </p:cNvPr>
+          <p:cNvSpPr>
+            <a:spLocks noGrp="1"/>
+          </p:cNvSpPr>
+          <p:nvPr>
+            <p:ph type="title"/>
+          </p:nvPr>
+        </p:nvSpPr>
+        <p:spPr/>
+        <p:txBody>
+          <a:bodyPr/>
+          <a:lstStyle/>
+          <a:p>
+            <a:r>
+              <a:rPr lang="en-NL" dirty="0"/>
+              <a:t>Datatypes in Python</a:t>
+            </a:r>
+          </a:p>
+        </p:txBody>
+      </p:sp>
+      <p:pic>
+        <p:nvPicPr>
+          <p:cNvPr id="6" name="Content Placeholder 4">
+            <a:extLst>
+              <a:ext uri="{FF2B5EF4-FFF2-40B4-BE49-F238E27FC236}">
+                <a16:creationId xmlns:a16="http://schemas.microsoft.com/office/drawing/2014/main" id="{7E752183-8FDA-8054-DBDF-2350372CD23C}"/>
+              </a:ext>
+            </a:extLst>
+          </p:cNvPr>
+          <p:cNvPicPr>
+            <a:picLocks noChangeAspect="1"/>
+          </p:cNvPicPr>
+          <p:nvPr/>
+        </p:nvPicPr>
+        <p:blipFill>
+          <a:blip r:embed="rId3"/>
+          <a:stretch>
+            <a:fillRect/>
+          </a:stretch>
+        </p:blipFill>
+        <p:spPr>
+          <a:xfrm>
+            <a:off x="2059162" y="3665538"/>
+            <a:ext cx="11783381" cy="5418137"/>
+          </a:xfrm>
+          <a:prstGeom prst="rect">
+            <a:avLst/>
+          </a:prstGeom>
+        </p:spPr>
+      </p:pic>
+    </p:spTree>
+    <p:extLst>
+      <p:ext uri="{BB962C8B-B14F-4D97-AF65-F5344CB8AC3E}">
+        <p14:creationId xmlns:p14="http://schemas.microsoft.com/office/powerpoint/2010/main" val="3425232150"/>
+      </p:ext>
+    </p:extLst>
+  </p:cSld>
+  <p:clrMapOvr>
+    <a:masterClrMapping/>
+  </p:clrMapOvr>
+  <mc:AlternateContent xmlns:mc="http://schemas.openxmlformats.org/markup-compatibility/2006" xmlns:p14="http://schemas.microsoft.com/office/powerpoint/2010/main">
+    <mc:Choice Requires="p14">
+      <p:transition spd="med" p14:dur="700">
+        <p:fade/>
+      </p:transition>
+    </mc:Choice>
+    <mc:Fallback xmlns="">
+      <p:transition spd="med">
+        <p:fade/>
+      </p:transition>
+    </mc:Fallback>
+  </mc:AlternateContent>
+</p:sld>
+</file>
+
+<file path=ppt/slides/slide11.xml><?xml version="1.0" encoding="utf-8"?>
+<p:sld xmlns:a="http://schemas.openxmlformats.org/drawingml/2006/main" xmlns:r="http://schemas.openxmlformats.org/officeDocument/2006/relationships" xmlns:p="http://schemas.openxmlformats.org/presentationml/2006/main">
+  <p:cSld>
+    <p:spTree>
+      <p:nvGrpSpPr>
+        <p:cNvPr id="1" name=""/>
+        <p:cNvGrpSpPr/>
+        <p:nvPr/>
+      </p:nvGrpSpPr>
+      <p:grpSpPr>
+        <a:xfrm>
+          <a:off x="0" y="0"/>
+          <a:ext cx="0" cy="0"/>
+          <a:chOff x="0" y="0"/>
+          <a:chExt cx="0" cy="0"/>
+        </a:xfrm>
+      </p:grpSpPr>
+      <p:sp>
+        <p:nvSpPr>
+          <p:cNvPr id="2" name="Text Placeholder 1">
+            <a:extLst>
+              <a:ext uri="{FF2B5EF4-FFF2-40B4-BE49-F238E27FC236}">
+                <a16:creationId xmlns:a16="http://schemas.microsoft.com/office/drawing/2014/main" id="{03157835-79A4-0468-27D7-959D05578DBF}"/>
+              </a:ext>
+            </a:extLst>
+          </p:cNvPr>
+          <p:cNvSpPr>
+            <a:spLocks noGrp="1"/>
+          </p:cNvSpPr>
+          <p:nvPr>
+            <p:ph type="body" sz="quarter" idx="10"/>
+          </p:nvPr>
+        </p:nvSpPr>
+        <p:spPr/>
+        <p:txBody>
+          <a:bodyPr>
+            <a:normAutofit fontScale="92500" lnSpcReduction="10000"/>
+          </a:bodyPr>
+          <a:lstStyle/>
+          <a:p>
+            <a:pPr marL="285750" indent="-285750">
+              <a:buFont typeface="Arial" panose="020B0604020202020204" pitchFamily="34" charset="0"/>
+              <a:buChar char="•"/>
+            </a:pPr>
+            <a:r>
+              <a:rPr lang="en-NL" dirty="0"/>
+              <a:t>Shift + Enter to run code</a:t>
+            </a:r>
+          </a:p>
+          <a:p>
+            <a:pPr marL="285750" indent="-285750">
+              <a:buFont typeface="Arial" panose="020B0604020202020204" pitchFamily="34" charset="0"/>
+              <a:buChar char="•"/>
+            </a:pPr>
+            <a:r>
+              <a:rPr lang="en-NL" dirty="0"/>
+              <a:t>Tab completion</a:t>
+            </a:r>
+          </a:p>
+          <a:p>
+            <a:pPr marL="342900" indent="-342900">
+              <a:buFont typeface="Arial" panose="020B0604020202020204" pitchFamily="34" charset="0"/>
+              <a:buChar char="•"/>
+            </a:pPr>
+            <a:r>
+              <a:rPr lang="en-NL" dirty="0"/>
+              <a:t>Nieuwe cell: Escape gevolgd door a (above) of b (below) of dd (delete)</a:t>
+            </a:r>
+          </a:p>
+          <a:p>
+            <a:pPr marL="285750" indent="-285750">
+              <a:buFont typeface="Arial" panose="020B0604020202020204" pitchFamily="34" charset="0"/>
+              <a:buChar char="•"/>
+            </a:pPr>
+            <a:r>
+              <a:rPr lang="en-NL" dirty="0"/>
+              <a:t>Shift Tab to see arguments and information about methods, functions or classes</a:t>
+            </a:r>
+          </a:p>
+          <a:p>
+            <a:pPr marL="285750" indent="-285750">
+              <a:buFont typeface="Arial" panose="020B0604020202020204" pitchFamily="34" charset="0"/>
+              <a:buChar char="•"/>
+            </a:pPr>
+            <a:r>
+              <a:rPr lang="en-NL" dirty="0"/>
+              <a:t>Magic commands, such as ls</a:t>
+            </a:r>
+          </a:p>
+          <a:p>
+            <a:pPr marL="285750" indent="-285750">
+              <a:buFont typeface="Arial" panose="020B0604020202020204" pitchFamily="34" charset="0"/>
+              <a:buChar char="•"/>
+            </a:pPr>
+            <a:r>
+              <a:rPr lang="en-NL" dirty="0"/>
+              <a:t>? or ?? to get extra help and info</a:t>
+            </a:r>
+          </a:p>
+          <a:p>
+            <a:endParaRPr lang="en-NL" dirty="0"/>
+          </a:p>
+        </p:txBody>
+      </p:sp>
+      <p:sp>
+        <p:nvSpPr>
+          <p:cNvPr id="3" name="Title 2">
+            <a:extLst>
+              <a:ext uri="{FF2B5EF4-FFF2-40B4-BE49-F238E27FC236}">
+                <a16:creationId xmlns:a16="http://schemas.microsoft.com/office/drawing/2014/main" id="{A1650597-8515-0AA3-B2CB-A5C3D420B36A}"/>
+              </a:ext>
+            </a:extLst>
+          </p:cNvPr>
+          <p:cNvSpPr>
+            <a:spLocks noGrp="1"/>
+          </p:cNvSpPr>
+          <p:nvPr>
+            <p:ph type="title"/>
+          </p:nvPr>
+        </p:nvSpPr>
+        <p:spPr/>
+        <p:txBody>
+          <a:bodyPr/>
+          <a:lstStyle/>
+          <a:p>
+            <a:r>
+              <a:rPr lang="en-NL" dirty="0"/>
+              <a:t>Jupyter: tips &amp; tricks</a:t>
+            </a:r>
+          </a:p>
+        </p:txBody>
+      </p:sp>
+    </p:spTree>
+    <p:extLst>
+      <p:ext uri="{BB962C8B-B14F-4D97-AF65-F5344CB8AC3E}">
+        <p14:creationId xmlns:p14="http://schemas.microsoft.com/office/powerpoint/2010/main" val="519535867"/>
+      </p:ext>
+    </p:extLst>
+  </p:cSld>
+  <p:clrMapOvr>
+    <a:masterClrMapping/>
+  </p:clrMapOvr>
+  <mc:AlternateContent xmlns:mc="http://schemas.openxmlformats.org/markup-compatibility/2006" xmlns:p14="http://schemas.microsoft.com/office/powerpoint/2010/main">
+    <mc:Choice Requires="p14">
+      <p:transition spd="med" p14:dur="700">
+        <p:fade/>
+      </p:transition>
+    </mc:Choice>
+    <mc:Fallback xmlns="">
+      <p:transition spd="med">
+        <p:fade/>
+      </p:transition>
+    </mc:Fallback>
+  </mc:AlternateContent>
+</p:sld>
+</file>
+
+<file path=ppt/slides/slide12.xml><?xml version="1.0" encoding="utf-8"?>
+<p:sld xmlns:a="http://schemas.openxmlformats.org/drawingml/2006/main" xmlns:r="http://schemas.openxmlformats.org/officeDocument/2006/relationships" xmlns:p="http://schemas.openxmlformats.org/presentationml/2006/main">
+  <p:cSld>
+    <p:spTree>
+      <p:nvGrpSpPr>
+        <p:cNvPr id="1" name=""/>
+        <p:cNvGrpSpPr/>
+        <p:nvPr/>
+      </p:nvGrpSpPr>
+      <p:grpSpPr>
+        <a:xfrm>
+          <a:off x="0" y="0"/>
+          <a:ext cx="0" cy="0"/>
+          <a:chOff x="0" y="0"/>
+          <a:chExt cx="0" cy="0"/>
+        </a:xfrm>
+      </p:grpSpPr>
+      <p:sp>
+        <p:nvSpPr>
+          <p:cNvPr id="2" name="Text Placeholder 1">
+            <a:extLst>
+              <a:ext uri="{FF2B5EF4-FFF2-40B4-BE49-F238E27FC236}">
+                <a16:creationId xmlns:a16="http://schemas.microsoft.com/office/drawing/2014/main" id="{6C958F89-D6D8-E378-1EBA-0B6A24E938C2}"/>
+              </a:ext>
+            </a:extLst>
+          </p:cNvPr>
+          <p:cNvSpPr>
+            <a:spLocks noGrp="1"/>
+          </p:cNvSpPr>
+          <p:nvPr>
+            <p:ph type="body" sz="quarter" idx="10"/>
+          </p:nvPr>
+        </p:nvSpPr>
+        <p:spPr>
+          <a:xfrm>
+            <a:off x="1974849" y="3521075"/>
+            <a:ext cx="15926073" cy="4648200"/>
+          </a:xfrm>
+        </p:spPr>
+        <p:txBody>
+          <a:bodyPr>
+            <a:normAutofit/>
+          </a:bodyPr>
+          <a:lstStyle/>
+          <a:p>
+            <a:pPr marL="457200" indent="-457200">
+              <a:buFont typeface="Arial" panose="020B0604020202020204" pitchFamily="34" charset="0"/>
+              <a:buChar char="•"/>
+            </a:pPr>
+            <a:r>
+              <a:rPr lang="en-NL" sz="3200" dirty="0"/>
+              <a:t>Data inlezen		pd.read_csv()</a:t>
+            </a:r>
+          </a:p>
+          <a:p>
+            <a:pPr marL="457200" indent="-457200">
+              <a:buFont typeface="Arial" panose="020B0604020202020204" pitchFamily="34" charset="0"/>
+              <a:buChar char="•"/>
+            </a:pPr>
+            <a:r>
+              <a:rPr lang="en-NL" sz="3200" dirty="0"/>
+              <a:t>Data inspectie		df.info()   df.head()    df.describe()</a:t>
+            </a:r>
+          </a:p>
+          <a:p>
+            <a:pPr marL="457200" indent="-457200">
+              <a:buFont typeface="Arial" panose="020B0604020202020204" pitchFamily="34" charset="0"/>
+              <a:buChar char="•"/>
+            </a:pPr>
+            <a:r>
+              <a:rPr lang="en-NL" sz="3200" dirty="0"/>
+              <a:t>Data selectie		df[df.column == ‘value’]   df.loc[df.column == ‘value’, :]</a:t>
+            </a:r>
+          </a:p>
+          <a:p>
+            <a:pPr marL="457200" indent="-457200">
+              <a:buFont typeface="Arial" panose="020B0604020202020204" pitchFamily="34" charset="0"/>
+              <a:buChar char="•"/>
+            </a:pPr>
+            <a:r>
+              <a:rPr lang="en-NL" sz="3200" dirty="0"/>
+              <a:t>Data wrangling		df[‘column’].fillna()   df.drop_duplicates()</a:t>
+            </a:r>
+          </a:p>
+          <a:p>
+            <a:pPr marL="457200" indent="-457200">
+              <a:buFont typeface="Arial" panose="020B0604020202020204" pitchFamily="34" charset="0"/>
+              <a:buChar char="•"/>
+            </a:pPr>
+            <a:r>
+              <a:rPr lang="en-NL" sz="3200" dirty="0"/>
+              <a:t>Data joinen			df.merge(df2, how=‘inner’, on=‘column_name’)</a:t>
+            </a:r>
+          </a:p>
+          <a:p>
+            <a:pPr marL="457200" indent="-457200">
+              <a:buFont typeface="Arial" panose="020B0604020202020204" pitchFamily="34" charset="0"/>
+              <a:buChar char="•"/>
+            </a:pPr>
+            <a:r>
+              <a:rPr lang="en-NL" sz="3200" dirty="0"/>
+              <a:t>Data visualisatie	px.scatter(df, x, y)</a:t>
+            </a:r>
+          </a:p>
+          <a:p>
+            <a:pPr marL="457200" indent="-457200">
+              <a:buFont typeface="Arial" panose="020B0604020202020204" pitchFamily="34" charset="0"/>
+              <a:buChar char="•"/>
+            </a:pPr>
+            <a:endParaRPr lang="en-NL" dirty="0"/>
+          </a:p>
+        </p:txBody>
+      </p:sp>
+      <p:sp>
+        <p:nvSpPr>
+          <p:cNvPr id="3" name="Title 2">
+            <a:extLst>
+              <a:ext uri="{FF2B5EF4-FFF2-40B4-BE49-F238E27FC236}">
+                <a16:creationId xmlns:a16="http://schemas.microsoft.com/office/drawing/2014/main" id="{28ECB6AF-9BC7-56F6-8932-7264CACC9B66}"/>
+              </a:ext>
+            </a:extLst>
+          </p:cNvPr>
+          <p:cNvSpPr>
+            <a:spLocks noGrp="1"/>
+          </p:cNvSpPr>
+          <p:nvPr>
+            <p:ph type="title"/>
+          </p:nvPr>
+        </p:nvSpPr>
+        <p:spPr/>
+        <p:txBody>
+          <a:bodyPr/>
+          <a:lstStyle/>
+          <a:p>
+            <a:r>
+              <a:rPr lang="en-NL" dirty="0"/>
+              <a:t>Pandas intro</a:t>
+            </a:r>
+          </a:p>
+        </p:txBody>
+      </p:sp>
+      <p:pic>
+        <p:nvPicPr>
+          <p:cNvPr id="5" name="Content Placeholder 4" descr="Text&#10;&#10;Description automatically generated">
+            <a:extLst>
+              <a:ext uri="{FF2B5EF4-FFF2-40B4-BE49-F238E27FC236}">
+                <a16:creationId xmlns:a16="http://schemas.microsoft.com/office/drawing/2014/main" id="{4DE85671-FCC3-0042-7E3F-82137C35C26F}"/>
+              </a:ext>
+            </a:extLst>
+          </p:cNvPr>
+          <p:cNvPicPr>
+            <a:picLocks noChangeAspect="1"/>
+          </p:cNvPicPr>
+          <p:nvPr/>
+        </p:nvPicPr>
+        <p:blipFill>
+          <a:blip r:embed="rId2"/>
+          <a:stretch>
+            <a:fillRect/>
+          </a:stretch>
+        </p:blipFill>
+        <p:spPr>
+          <a:xfrm>
+            <a:off x="4099214" y="8751019"/>
+            <a:ext cx="11905671" cy="2089825"/>
+          </a:xfrm>
+          <a:prstGeom prst="rect">
+            <a:avLst/>
+          </a:prstGeom>
+        </p:spPr>
+      </p:pic>
+      <p:pic>
+        <p:nvPicPr>
+          <p:cNvPr id="6" name="Picture 2" descr="pandas (software) - Wikipedia">
+            <a:extLst>
+              <a:ext uri="{FF2B5EF4-FFF2-40B4-BE49-F238E27FC236}">
+                <a16:creationId xmlns:a16="http://schemas.microsoft.com/office/drawing/2014/main" id="{39960561-9210-D5A9-02AA-DD030C170D7F}"/>
+              </a:ext>
+            </a:extLst>
+          </p:cNvPr>
+          <p:cNvPicPr>
+            <a:picLocks noChangeAspect="1" noChangeArrowheads="1"/>
+          </p:cNvPicPr>
+          <p:nvPr/>
+        </p:nvPicPr>
+        <p:blipFill>
+          <a:blip r:embed="rId3">
+            <a:extLst>
+              <a:ext uri="{28A0092B-C50C-407E-A947-70E740481C1C}">
+                <a14:useLocalDpi xmlns:a14="http://schemas.microsoft.com/office/drawing/2010/main" val="0"/>
+              </a:ext>
+            </a:extLst>
+          </a:blip>
+          <a:srcRect/>
+          <a:stretch>
+            <a:fillRect/>
+          </a:stretch>
+        </p:blipFill>
+        <p:spPr bwMode="auto">
+          <a:xfrm>
+            <a:off x="13292410" y="468506"/>
+            <a:ext cx="6096000" cy="2463800"/>
+          </a:xfrm>
+          <a:prstGeom prst="rect">
+            <a:avLst/>
+          </a:prstGeom>
+          <a:noFill/>
+          <a:extLst>
+            <a:ext uri="{909E8E84-426E-40DD-AFC4-6F175D3DCCD1}">
+              <a14:hiddenFill xmlns:a14="http://schemas.microsoft.com/office/drawing/2010/main">
+                <a:solidFill>
+                  <a:srgbClr val="FFFFFF"/>
+                </a:solidFill>
+              </a14:hiddenFill>
+            </a:ext>
+          </a:extLst>
+        </p:spPr>
+      </p:pic>
+    </p:spTree>
+    <p:extLst>
+      <p:ext uri="{BB962C8B-B14F-4D97-AF65-F5344CB8AC3E}">
+        <p14:creationId xmlns:p14="http://schemas.microsoft.com/office/powerpoint/2010/main" val="3624395825"/>
+      </p:ext>
+    </p:extLst>
+  </p:cSld>
+  <p:clrMapOvr>
+    <a:masterClrMapping/>
+  </p:clrMapOvr>
+  <mc:AlternateContent xmlns:mc="http://schemas.openxmlformats.org/markup-compatibility/2006" xmlns:p14="http://schemas.microsoft.com/office/powerpoint/2010/main">
+    <mc:Choice Requires="p14">
+      <p:transition spd="med" p14:dur="700">
+        <p:fade/>
+      </p:transition>
+    </mc:Choice>
+    <mc:Fallback xmlns="">
+      <p:transition spd="med">
+        <p:fade/>
+      </p:transition>
+    </mc:Fallback>
+  </mc:AlternateContent>
+</p:sld>
+</file>
+
+<file path=ppt/slides/slide13.xml><?xml version="1.0" encoding="utf-8"?>
+<p:sld xmlns:a="http://schemas.openxmlformats.org/drawingml/2006/main" xmlns:r="http://schemas.openxmlformats.org/officeDocument/2006/relationships" xmlns:p="http://schemas.openxmlformats.org/presentationml/2006/main">
+  <p:cSld>
+    <p:spTree>
+      <p:nvGrpSpPr>
+        <p:cNvPr id="1" name=""/>
+        <p:cNvGrpSpPr/>
+        <p:nvPr/>
+      </p:nvGrpSpPr>
+      <p:grpSpPr>
+        <a:xfrm>
+          <a:off x="0" y="0"/>
+          <a:ext cx="0" cy="0"/>
+          <a:chOff x="0" y="0"/>
+          <a:chExt cx="0" cy="0"/>
+        </a:xfrm>
+      </p:grpSpPr>
+      <p:sp>
+        <p:nvSpPr>
+          <p:cNvPr id="3" name="Title 2">
+            <a:extLst>
+              <a:ext uri="{FF2B5EF4-FFF2-40B4-BE49-F238E27FC236}">
+                <a16:creationId xmlns:a16="http://schemas.microsoft.com/office/drawing/2014/main" id="{666C9326-0DD6-8C29-D881-022E4600AC11}"/>
+              </a:ext>
+            </a:extLst>
+          </p:cNvPr>
+          <p:cNvSpPr>
+            <a:spLocks noGrp="1"/>
+          </p:cNvSpPr>
+          <p:nvPr>
+            <p:ph type="title"/>
+          </p:nvPr>
+        </p:nvSpPr>
+        <p:spPr/>
+        <p:txBody>
+          <a:bodyPr/>
+          <a:lstStyle/>
+          <a:p>
+            <a:r>
+              <a:rPr lang="en-NL" dirty="0"/>
+              <a:t>Pandas: the DataFrame (df)</a:t>
+            </a:r>
+          </a:p>
+        </p:txBody>
+      </p:sp>
+      <p:pic>
+        <p:nvPicPr>
+          <p:cNvPr id="4" name="Content Placeholder 4" descr="Graphical user interface, application, table&#10;&#10;Description automatically generated">
+            <a:extLst>
+              <a:ext uri="{FF2B5EF4-FFF2-40B4-BE49-F238E27FC236}">
+                <a16:creationId xmlns:a16="http://schemas.microsoft.com/office/drawing/2014/main" id="{2D6BEB46-49D5-4BD2-CDD4-28C65E190D34}"/>
+              </a:ext>
+            </a:extLst>
+          </p:cNvPr>
+          <p:cNvPicPr>
+            <a:picLocks noGrp="1" noChangeAspect="1"/>
+          </p:cNvPicPr>
+          <p:nvPr>
+            <p:ph idx="1"/>
+          </p:nvPr>
+        </p:nvPicPr>
+        <p:blipFill rotWithShape="1">
+          <a:blip r:embed="rId2"/>
+          <a:srcRect t="2784" r="1" b="6953"/>
+          <a:stretch/>
+        </p:blipFill>
+        <p:spPr>
+          <a:xfrm>
+            <a:off x="1974850" y="3494435"/>
+            <a:ext cx="16133799" cy="6080052"/>
+          </a:xfrm>
+          <a:prstGeom prst="rect">
+            <a:avLst/>
+          </a:prstGeom>
+          <a:effectLst/>
+        </p:spPr>
+      </p:pic>
+    </p:spTree>
+    <p:extLst>
+      <p:ext uri="{BB962C8B-B14F-4D97-AF65-F5344CB8AC3E}">
+        <p14:creationId xmlns:p14="http://schemas.microsoft.com/office/powerpoint/2010/main" val="4050058968"/>
+      </p:ext>
+    </p:extLst>
+  </p:cSld>
+  <p:clrMapOvr>
+    <a:masterClrMapping/>
+  </p:clrMapOvr>
+  <mc:AlternateContent xmlns:mc="http://schemas.openxmlformats.org/markup-compatibility/2006" xmlns:p14="http://schemas.microsoft.com/office/powerpoint/2010/main">
+    <mc:Choice Requires="p14">
+      <p:transition spd="med" p14:dur="700">
+        <p:fade/>
+      </p:transition>
+    </mc:Choice>
+    <mc:Fallback xmlns="">
+      <p:transition spd="med">
+        <p:fade/>
+      </p:transition>
+    </mc:Fallback>
+  </mc:AlternateContent>
+</p:sld>
+</file>
+
+<file path=ppt/slides/slide14.xml><?xml version="1.0" encoding="utf-8"?>
+<p:sld xmlns:a="http://schemas.openxmlformats.org/drawingml/2006/main" xmlns:r="http://schemas.openxmlformats.org/officeDocument/2006/relationships" xmlns:p="http://schemas.openxmlformats.org/presentationml/2006/main">
+  <p:cSld>
+    <p:spTree>
+      <p:nvGrpSpPr>
+        <p:cNvPr id="1" name=""/>
+        <p:cNvGrpSpPr/>
+        <p:nvPr/>
+      </p:nvGrpSpPr>
+      <p:grpSpPr>
+        <a:xfrm>
+          <a:off x="0" y="0"/>
+          <a:ext cx="0" cy="0"/>
+          <a:chOff x="0" y="0"/>
+          <a:chExt cx="0" cy="0"/>
+        </a:xfrm>
+      </p:grpSpPr>
+      <p:sp>
+        <p:nvSpPr>
+          <p:cNvPr id="3" name="Title 2">
+            <a:extLst>
+              <a:ext uri="{FF2B5EF4-FFF2-40B4-BE49-F238E27FC236}">
+                <a16:creationId xmlns:a16="http://schemas.microsoft.com/office/drawing/2014/main" id="{18EF0327-F679-B6B1-950B-725CC03BF239}"/>
+              </a:ext>
+            </a:extLst>
+          </p:cNvPr>
+          <p:cNvSpPr>
+            <a:spLocks noGrp="1"/>
+          </p:cNvSpPr>
+          <p:nvPr>
+            <p:ph type="title"/>
+          </p:nvPr>
+        </p:nvSpPr>
+        <p:spPr/>
+        <p:txBody>
+          <a:bodyPr/>
+          <a:lstStyle/>
+          <a:p>
+            <a:r>
+              <a:rPr lang="en-NL" dirty="0"/>
+              <a:t>Pandas: the Series</a:t>
+            </a:r>
+          </a:p>
+        </p:txBody>
+      </p:sp>
+      <p:pic>
+        <p:nvPicPr>
+          <p:cNvPr id="4" name="Content Placeholder 17" descr="Table&#10;&#10;Description automatically generated with medium confidence">
+            <a:extLst>
+              <a:ext uri="{FF2B5EF4-FFF2-40B4-BE49-F238E27FC236}">
+                <a16:creationId xmlns:a16="http://schemas.microsoft.com/office/drawing/2014/main" id="{7543DEDC-B86B-8714-7CDA-5C1CDD967A00}"/>
+              </a:ext>
+            </a:extLst>
+          </p:cNvPr>
+          <p:cNvPicPr>
+            <a:picLocks noChangeAspect="1"/>
+          </p:cNvPicPr>
+          <p:nvPr/>
+        </p:nvPicPr>
+        <p:blipFill>
+          <a:blip r:embed="rId2"/>
+          <a:stretch>
+            <a:fillRect/>
+          </a:stretch>
+        </p:blipFill>
+        <p:spPr>
+          <a:xfrm>
+            <a:off x="1974849" y="3292475"/>
+            <a:ext cx="12443563" cy="7258744"/>
+          </a:xfrm>
+          <a:prstGeom prst="rect">
+            <a:avLst/>
+          </a:prstGeom>
+        </p:spPr>
+      </p:pic>
+    </p:spTree>
+    <p:extLst>
+      <p:ext uri="{BB962C8B-B14F-4D97-AF65-F5344CB8AC3E}">
+        <p14:creationId xmlns:p14="http://schemas.microsoft.com/office/powerpoint/2010/main" val="3387128225"/>
+      </p:ext>
+    </p:extLst>
+  </p:cSld>
+  <p:clrMapOvr>
+    <a:masterClrMapping/>
+  </p:clrMapOvr>
+  <mc:AlternateContent xmlns:mc="http://schemas.openxmlformats.org/markup-compatibility/2006" xmlns:p14="http://schemas.microsoft.com/office/powerpoint/2010/main">
+    <mc:Choice Requires="p14">
+      <p:transition spd="med" p14:dur="700">
+        <p:fade/>
+      </p:transition>
+    </mc:Choice>
+    <mc:Fallback xmlns="">
+      <p:transition spd="med">
+        <p:fade/>
+      </p:transition>
+    </mc:Fallback>
+  </mc:AlternateContent>
+</p:sld>
+</file>
+
+<file path=ppt/slides/slide15.xml><?xml version="1.0" encoding="utf-8"?>
+<p:sld xmlns:a="http://schemas.openxmlformats.org/drawingml/2006/main" xmlns:r="http://schemas.openxmlformats.org/officeDocument/2006/relationships" xmlns:p="http://schemas.openxmlformats.org/presentationml/2006/main">
+  <p:cSld>
+    <p:spTree>
+      <p:nvGrpSpPr>
+        <p:cNvPr id="1" name=""/>
+        <p:cNvGrpSpPr/>
+        <p:nvPr/>
+      </p:nvGrpSpPr>
+      <p:grpSpPr>
+        <a:xfrm>
+          <a:off x="0" y="0"/>
+          <a:ext cx="0" cy="0"/>
+          <a:chOff x="0" y="0"/>
+          <a:chExt cx="0" cy="0"/>
+        </a:xfrm>
+      </p:grpSpPr>
+      <p:sp>
+        <p:nvSpPr>
+          <p:cNvPr id="2" name="Text Placeholder 1">
+            <a:extLst>
+              <a:ext uri="{FF2B5EF4-FFF2-40B4-BE49-F238E27FC236}">
+                <a16:creationId xmlns:a16="http://schemas.microsoft.com/office/drawing/2014/main" id="{E3E8C024-7F27-4349-9CCD-AE7C7F3F8F51}"/>
+              </a:ext>
+            </a:extLst>
+          </p:cNvPr>
+          <p:cNvSpPr>
+            <a:spLocks noGrp="1"/>
+          </p:cNvSpPr>
+          <p:nvPr>
+            <p:ph type="body" sz="quarter" idx="10"/>
+          </p:nvPr>
+        </p:nvSpPr>
+        <p:spPr>
+          <a:prstGeom prst="rect">
+            <a:avLst/>
+          </a:prstGeom>
+        </p:spPr>
+        <p:txBody>
+          <a:bodyPr>
+            <a:normAutofit fontScale="55000" lnSpcReduction="20000"/>
+          </a:bodyPr>
+          <a:lstStyle/>
+          <a:p>
+            <a:r>
+              <a:rPr lang="en-US" dirty="0"/>
+              <a:t>Next slides contains elements you can </a:t>
+            </a:r>
+            <a:r>
+              <a:rPr lang="en-US" dirty="0">
+                <a:solidFill>
+                  <a:schemeClr val="accent2"/>
+                </a:solidFill>
+              </a:rPr>
+              <a:t>copy and paste with the ‘format’ tool.</a:t>
+            </a:r>
+          </a:p>
+        </p:txBody>
+      </p:sp>
+      <p:sp>
+        <p:nvSpPr>
+          <p:cNvPr id="5" name="Text Placeholder 4">
+            <a:extLst>
+              <a:ext uri="{FF2B5EF4-FFF2-40B4-BE49-F238E27FC236}">
+                <a16:creationId xmlns:a16="http://schemas.microsoft.com/office/drawing/2014/main" id="{95C7918E-B467-DF49-A39B-65818DE83E11}"/>
+              </a:ext>
+            </a:extLst>
+          </p:cNvPr>
+          <p:cNvSpPr>
+            <a:spLocks noGrp="1"/>
+          </p:cNvSpPr>
+          <p:nvPr>
+            <p:ph type="body" sz="quarter" idx="11"/>
+          </p:nvPr>
+        </p:nvSpPr>
+        <p:spPr/>
+        <p:txBody>
+          <a:bodyPr>
+            <a:normAutofit fontScale="40000" lnSpcReduction="20000"/>
+          </a:bodyPr>
+          <a:lstStyle/>
+          <a:p>
+            <a:endParaRPr lang="en-NL"/>
+          </a:p>
+        </p:txBody>
+      </p:sp>
+    </p:spTree>
+    <p:extLst>
+      <p:ext uri="{BB962C8B-B14F-4D97-AF65-F5344CB8AC3E}">
+        <p14:creationId xmlns:p14="http://schemas.microsoft.com/office/powerpoint/2010/main" val="1151723011"/>
+      </p:ext>
+    </p:extLst>
+  </p:cSld>
+  <p:clrMapOvr>
+    <a:masterClrMapping/>
+  </p:clrMapOvr>
+  <mc:AlternateContent xmlns:mc="http://schemas.openxmlformats.org/markup-compatibility/2006" xmlns:p14="http://schemas.microsoft.com/office/powerpoint/2010/main">
+    <mc:Choice Requires="p14">
+      <p:transition spd="med" p14:dur="700">
+        <p:fade/>
+      </p:transition>
+    </mc:Choice>
+    <mc:Fallback xmlns="">
+      <p:transition spd="med">
+        <p:fade/>
+      </p:transition>
+    </mc:Fallback>
+  </mc:AlternateContent>
+</p:sld>
+</file>
+
+<file path=ppt/slides/slide16.xml><?xml version="1.0" encoding="utf-8"?>
+<p:sld xmlns:a="http://schemas.openxmlformats.org/drawingml/2006/main" xmlns:r="http://schemas.openxmlformats.org/officeDocument/2006/relationships" xmlns:p="http://schemas.openxmlformats.org/presentationml/2006/main">
+  <p:cSld>
+    <p:spTree>
+      <p:nvGrpSpPr>
+        <p:cNvPr id="1" name=""/>
+        <p:cNvGrpSpPr/>
+        <p:nvPr/>
+      </p:nvGrpSpPr>
+      <p:grpSpPr>
+        <a:xfrm>
+          <a:off x="0" y="0"/>
+          <a:ext cx="0" cy="0"/>
+          <a:chOff x="0" y="0"/>
+          <a:chExt cx="0" cy="0"/>
+        </a:xfrm>
+      </p:grpSpPr>
+      <p:sp>
+        <p:nvSpPr>
+          <p:cNvPr id="2" name="Text Placeholder 1">
+            <a:extLst>
+              <a:ext uri="{FF2B5EF4-FFF2-40B4-BE49-F238E27FC236}">
+                <a16:creationId xmlns:a16="http://schemas.microsoft.com/office/drawing/2014/main" id="{FAE65EAC-B0BC-6845-A6E9-468C73CCACF7}"/>
+              </a:ext>
+            </a:extLst>
+          </p:cNvPr>
+          <p:cNvSpPr>
+            <a:spLocks noGrp="1"/>
+          </p:cNvSpPr>
+          <p:nvPr>
+            <p:ph type="body" sz="quarter" idx="10"/>
+          </p:nvPr>
+        </p:nvSpPr>
+        <p:spPr>
+          <a:xfrm>
+            <a:off x="1974850" y="3887164"/>
+            <a:ext cx="7315200" cy="1981200"/>
+          </a:xfrm>
+        </p:spPr>
+        <p:txBody>
+          <a:bodyPr/>
+          <a:lstStyle/>
+          <a:p>
+            <a:pPr marL="0" indent="0">
+              <a:buNone/>
+            </a:pPr>
+            <a:r>
+              <a:rPr lang="en-US" dirty="0"/>
+              <a:t>A photo doesn’t always have to be circular or rounded. It can also contain 50% or less/more on the side as a separator. </a:t>
+            </a:r>
+            <a:endParaRPr lang="en-NL" dirty="0"/>
+          </a:p>
+        </p:txBody>
+      </p:sp>
+      <p:sp>
+        <p:nvSpPr>
+          <p:cNvPr id="3" name="Title 2">
+            <a:extLst>
+              <a:ext uri="{FF2B5EF4-FFF2-40B4-BE49-F238E27FC236}">
+                <a16:creationId xmlns:a16="http://schemas.microsoft.com/office/drawing/2014/main" id="{A6299121-4ECF-604C-AC60-88B1105256A5}"/>
+              </a:ext>
+            </a:extLst>
+          </p:cNvPr>
+          <p:cNvSpPr>
+            <a:spLocks noGrp="1"/>
+          </p:cNvSpPr>
+          <p:nvPr>
+            <p:ph type="title"/>
+          </p:nvPr>
+        </p:nvSpPr>
+        <p:spPr/>
+        <p:txBody>
+          <a:bodyPr/>
+          <a:lstStyle/>
+          <a:p>
+            <a:r>
+              <a:rPr lang="en-NL" dirty="0"/>
+              <a:t>Photo Side.</a:t>
+            </a:r>
+          </a:p>
+        </p:txBody>
+      </p:sp>
+      <p:sp>
+        <p:nvSpPr>
+          <p:cNvPr id="7" name="Text Placeholder 6">
+            <a:extLst>
+              <a:ext uri="{FF2B5EF4-FFF2-40B4-BE49-F238E27FC236}">
+                <a16:creationId xmlns:a16="http://schemas.microsoft.com/office/drawing/2014/main" id="{A2C77E2D-2F14-844F-93D2-ACE5F043FD93}"/>
+              </a:ext>
+            </a:extLst>
+          </p:cNvPr>
+          <p:cNvSpPr>
+            <a:spLocks noGrp="1"/>
+          </p:cNvSpPr>
+          <p:nvPr>
+            <p:ph type="body" sz="quarter" idx="11"/>
+          </p:nvPr>
+        </p:nvSpPr>
+        <p:spPr/>
+        <p:txBody>
+          <a:bodyPr/>
+          <a:lstStyle/>
+          <a:p>
+            <a:r>
+              <a:rPr lang="en-NL" dirty="0"/>
+              <a:t>Big photo covering the side</a:t>
+            </a:r>
+          </a:p>
+        </p:txBody>
+      </p:sp>
+      <p:sp>
+        <p:nvSpPr>
+          <p:cNvPr id="19" name="Text Placeholder 18">
+            <a:extLst>
+              <a:ext uri="{FF2B5EF4-FFF2-40B4-BE49-F238E27FC236}">
+                <a16:creationId xmlns:a16="http://schemas.microsoft.com/office/drawing/2014/main" id="{C73441C0-E738-8A49-9A9F-56A3B95A573F}"/>
+              </a:ext>
+            </a:extLst>
+          </p:cNvPr>
+          <p:cNvSpPr>
+            <a:spLocks noGrp="1"/>
+          </p:cNvSpPr>
+          <p:nvPr>
+            <p:ph type="body" sz="quarter" idx="13"/>
+          </p:nvPr>
+        </p:nvSpPr>
+        <p:spPr/>
+        <p:txBody>
+          <a:bodyPr/>
+          <a:lstStyle/>
+          <a:p>
+            <a:endParaRPr lang="en-NL"/>
+          </a:p>
+        </p:txBody>
+      </p:sp>
+      <p:sp>
+        <p:nvSpPr>
+          <p:cNvPr id="20" name="Text Placeholder 19">
+            <a:extLst>
+              <a:ext uri="{FF2B5EF4-FFF2-40B4-BE49-F238E27FC236}">
+                <a16:creationId xmlns:a16="http://schemas.microsoft.com/office/drawing/2014/main" id="{E02C53C2-3A32-9B4A-84B5-489354441A9F}"/>
+              </a:ext>
+            </a:extLst>
+          </p:cNvPr>
+          <p:cNvSpPr>
+            <a:spLocks noGrp="1"/>
+          </p:cNvSpPr>
+          <p:nvPr>
+            <p:ph type="body" sz="quarter" idx="14"/>
+          </p:nvPr>
+        </p:nvSpPr>
+        <p:spPr/>
+        <p:txBody>
+          <a:bodyPr/>
+          <a:lstStyle/>
+          <a:p>
+            <a:r>
+              <a:rPr lang="en-NL" dirty="0"/>
+              <a:t>Big photo covering the side</a:t>
+            </a:r>
+          </a:p>
+          <a:p>
+            <a:endParaRPr lang="en-NL" dirty="0"/>
+          </a:p>
+        </p:txBody>
+      </p:sp>
+      <p:sp>
+        <p:nvSpPr>
+          <p:cNvPr id="21" name="Text Placeholder 20">
+            <a:extLst>
+              <a:ext uri="{FF2B5EF4-FFF2-40B4-BE49-F238E27FC236}">
+                <a16:creationId xmlns:a16="http://schemas.microsoft.com/office/drawing/2014/main" id="{C9C29F57-E96F-D448-8730-227A99302960}"/>
+              </a:ext>
+            </a:extLst>
+          </p:cNvPr>
+          <p:cNvSpPr>
+            <a:spLocks noGrp="1"/>
+          </p:cNvSpPr>
+          <p:nvPr>
+            <p:ph type="body" sz="quarter" idx="15"/>
+          </p:nvPr>
+        </p:nvSpPr>
+        <p:spPr/>
+        <p:txBody>
+          <a:bodyPr/>
+          <a:lstStyle/>
+          <a:p>
+            <a:endParaRPr lang="en-NL"/>
+          </a:p>
+        </p:txBody>
+      </p:sp>
+      <p:sp>
+        <p:nvSpPr>
+          <p:cNvPr id="23" name="Text Placeholder 22">
+            <a:extLst>
+              <a:ext uri="{FF2B5EF4-FFF2-40B4-BE49-F238E27FC236}">
+                <a16:creationId xmlns:a16="http://schemas.microsoft.com/office/drawing/2014/main" id="{FC659330-BB04-F246-890F-886F51B27F37}"/>
+              </a:ext>
+            </a:extLst>
+          </p:cNvPr>
+          <p:cNvSpPr>
+            <a:spLocks noGrp="1"/>
+          </p:cNvSpPr>
+          <p:nvPr>
+            <p:ph type="body" sz="quarter" idx="17"/>
+          </p:nvPr>
+        </p:nvSpPr>
+        <p:spPr/>
+        <p:txBody>
+          <a:bodyPr/>
+          <a:lstStyle/>
+          <a:p>
+            <a:endParaRPr lang="en-NL"/>
+          </a:p>
+        </p:txBody>
+      </p:sp>
+      <p:pic>
+        <p:nvPicPr>
+          <p:cNvPr id="12" name="Picture 11" descr="A group of people sitting at a table&#10;&#10;Description automatically generated">
+            <a:extLst>
+              <a:ext uri="{FF2B5EF4-FFF2-40B4-BE49-F238E27FC236}">
+                <a16:creationId xmlns:a16="http://schemas.microsoft.com/office/drawing/2014/main" id="{B9C3D217-62DF-7249-A78B-68122277A003}"/>
+              </a:ext>
+            </a:extLst>
+          </p:cNvPr>
+          <p:cNvPicPr>
+            <a:picLocks noChangeAspect="1"/>
+          </p:cNvPicPr>
+          <p:nvPr/>
+        </p:nvPicPr>
+        <p:blipFill>
+          <a:blip r:embed="rId2">
+            <a:extLst>
+              <a:ext uri="{28A0092B-C50C-407E-A947-70E740481C1C}">
+                <a14:useLocalDpi xmlns:a14="http://schemas.microsoft.com/office/drawing/2010/main" val="0"/>
+              </a:ext>
+            </a:extLst>
+          </a:blip>
+          <a:stretch>
+            <a:fillRect/>
+          </a:stretch>
+        </p:blipFill>
+        <p:spPr>
+          <a:xfrm>
+            <a:off x="10064991" y="0"/>
+            <a:ext cx="11309350" cy="11309350"/>
+          </a:xfrm>
+          <a:prstGeom prst="rect">
+            <a:avLst/>
+          </a:prstGeom>
+        </p:spPr>
+      </p:pic>
+    </p:spTree>
+    <p:extLst>
+      <p:ext uri="{BB962C8B-B14F-4D97-AF65-F5344CB8AC3E}">
+        <p14:creationId xmlns:p14="http://schemas.microsoft.com/office/powerpoint/2010/main" val="215919696"/>
+      </p:ext>
+    </p:extLst>
+  </p:cSld>
+  <p:clrMapOvr>
+    <a:masterClrMapping/>
+  </p:clrMapOvr>
+  <mc:AlternateContent xmlns:mc="http://schemas.openxmlformats.org/markup-compatibility/2006" xmlns:p14="http://schemas.microsoft.com/office/powerpoint/2010/main">
+    <mc:Choice Requires="p14">
+      <p:transition spd="med" p14:dur="700">
+        <p:fade/>
+      </p:transition>
+    </mc:Choice>
+    <mc:Fallback xmlns="">
+      <p:transition spd="med">
+        <p:fade/>
+      </p:transition>
+    </mc:Fallback>
+  </mc:AlternateContent>
+</p:sld>
+</file>
+
+<file path=ppt/slides/slide17.xml><?xml version="1.0" encoding="utf-8"?>
+<p:sld xmlns:a="http://schemas.openxmlformats.org/drawingml/2006/main" xmlns:r="http://schemas.openxmlformats.org/officeDocument/2006/relationships" xmlns:p="http://schemas.openxmlformats.org/presentationml/2006/main">
+  <p:cSld>
+    <p:spTree>
+      <p:nvGrpSpPr>
+        <p:cNvPr id="1" name=""/>
+        <p:cNvGrpSpPr/>
+        <p:nvPr/>
+      </p:nvGrpSpPr>
+      <p:grpSpPr>
+        <a:xfrm>
+          <a:off x="0" y="0"/>
+          <a:ext cx="0" cy="0"/>
+          <a:chOff x="0" y="0"/>
+          <a:chExt cx="0" cy="0"/>
+        </a:xfrm>
+      </p:grpSpPr>
+      <p:sp>
+        <p:nvSpPr>
+          <p:cNvPr id="2" name="Text Placeholder 1">
+            <a:extLst>
+              <a:ext uri="{FF2B5EF4-FFF2-40B4-BE49-F238E27FC236}">
+                <a16:creationId xmlns:a16="http://schemas.microsoft.com/office/drawing/2014/main" id="{FAE65EAC-B0BC-6845-A6E9-468C73CCACF7}"/>
+              </a:ext>
+            </a:extLst>
+          </p:cNvPr>
+          <p:cNvSpPr>
+            <a:spLocks noGrp="1"/>
+          </p:cNvSpPr>
+          <p:nvPr>
+            <p:ph type="body" sz="quarter" idx="10"/>
+          </p:nvPr>
+        </p:nvSpPr>
+        <p:spPr/>
+        <p:txBody>
+          <a:bodyPr/>
+          <a:lstStyle/>
+          <a:p>
+            <a:pPr marL="0" indent="0">
+              <a:buNone/>
+            </a:pPr>
+            <a:r>
+              <a:rPr lang="en-US" dirty="0"/>
+              <a:t>To get the circular photo, make sure that you have a square photo and simply copy the formatting of the sample to your required photo. If the photo isn’t squared yet, read below on how to do that.</a:t>
+            </a:r>
+            <a:endParaRPr lang="en-NL" dirty="0"/>
+          </a:p>
+        </p:txBody>
+      </p:sp>
+      <p:sp>
+        <p:nvSpPr>
+          <p:cNvPr id="3" name="Title 2">
+            <a:extLst>
+              <a:ext uri="{FF2B5EF4-FFF2-40B4-BE49-F238E27FC236}">
+                <a16:creationId xmlns:a16="http://schemas.microsoft.com/office/drawing/2014/main" id="{A6299121-4ECF-604C-AC60-88B1105256A5}"/>
+              </a:ext>
+            </a:extLst>
+          </p:cNvPr>
+          <p:cNvSpPr>
+            <a:spLocks noGrp="1"/>
+          </p:cNvSpPr>
+          <p:nvPr>
+            <p:ph type="title"/>
+          </p:nvPr>
+        </p:nvSpPr>
+        <p:spPr/>
+        <p:txBody>
+          <a:bodyPr/>
+          <a:lstStyle/>
+          <a:p>
+            <a:r>
+              <a:rPr lang="en-NL" dirty="0"/>
+              <a:t>Photo Circular.</a:t>
+            </a:r>
+          </a:p>
+        </p:txBody>
+      </p:sp>
+      <p:sp>
+        <p:nvSpPr>
+          <p:cNvPr id="5" name="Text Placeholder 4">
+            <a:extLst>
+              <a:ext uri="{FF2B5EF4-FFF2-40B4-BE49-F238E27FC236}">
+                <a16:creationId xmlns:a16="http://schemas.microsoft.com/office/drawing/2014/main" id="{A9963EF3-3F21-324F-8696-709868BA8748}"/>
+              </a:ext>
+            </a:extLst>
+          </p:cNvPr>
+          <p:cNvSpPr>
+            <a:spLocks noGrp="1"/>
+          </p:cNvSpPr>
+          <p:nvPr>
+            <p:ph type="body" sz="quarter" idx="11"/>
+          </p:nvPr>
+        </p:nvSpPr>
+        <p:spPr>
+          <a:xfrm>
+            <a:off x="1974849" y="7199895"/>
+            <a:ext cx="7620000" cy="3179180"/>
+          </a:xfrm>
+        </p:spPr>
+        <p:txBody>
+          <a:bodyPr>
+            <a:normAutofit/>
+          </a:bodyPr>
+          <a:lstStyle/>
+          <a:p>
+            <a:r>
+              <a:rPr lang="en-US" dirty="0"/>
+              <a:t>Paste your photo</a:t>
+            </a:r>
+            <a:endParaRPr lang="en-NL" dirty="0"/>
+          </a:p>
+          <a:p>
+            <a:pPr lvl="1">
+              <a:buClr>
+                <a:schemeClr val="accent2"/>
+              </a:buClr>
+            </a:pPr>
+            <a:r>
+              <a:rPr lang="en-US" sz="1800" dirty="0"/>
+              <a:t>Ideal situation would be a 1:1/square photo</a:t>
+            </a:r>
+          </a:p>
+          <a:p>
+            <a:pPr lvl="1">
+              <a:buClr>
+                <a:schemeClr val="accent2"/>
+              </a:buClr>
+            </a:pPr>
+            <a:r>
+              <a:rPr lang="en-US" sz="1800" dirty="0"/>
+              <a:t>If not, you can crop it with the instructions below</a:t>
+            </a:r>
+            <a:endParaRPr lang="en-NL" sz="1800" dirty="0"/>
+          </a:p>
+          <a:p>
+            <a:r>
+              <a:rPr lang="en-NL" dirty="0"/>
+              <a:t>Go to Picture Format &gt; Crop &gt; Square 1:1</a:t>
+            </a:r>
+          </a:p>
+          <a:p>
+            <a:r>
+              <a:rPr lang="en-NL" dirty="0"/>
+              <a:t>Copy and paste the formatting from the sample on the right to the new one.</a:t>
+            </a:r>
+          </a:p>
+        </p:txBody>
+      </p:sp>
+      <p:sp>
+        <p:nvSpPr>
+          <p:cNvPr id="11" name="Text Placeholder 10">
+            <a:extLst>
+              <a:ext uri="{FF2B5EF4-FFF2-40B4-BE49-F238E27FC236}">
+                <a16:creationId xmlns:a16="http://schemas.microsoft.com/office/drawing/2014/main" id="{6FC8102B-027E-5246-80BB-629161893BE2}"/>
+              </a:ext>
+            </a:extLst>
+          </p:cNvPr>
+          <p:cNvSpPr>
+            <a:spLocks noGrp="1"/>
+          </p:cNvSpPr>
+          <p:nvPr>
+            <p:ph type="body" sz="quarter" idx="14"/>
+          </p:nvPr>
+        </p:nvSpPr>
+        <p:spPr/>
+        <p:txBody>
+          <a:bodyPr/>
+          <a:lstStyle/>
+          <a:p>
+            <a:r>
+              <a:rPr lang="en-NL" dirty="0"/>
+              <a:t>How do you do this?</a:t>
+            </a:r>
+          </a:p>
+        </p:txBody>
+      </p:sp>
+      <p:sp>
+        <p:nvSpPr>
+          <p:cNvPr id="13" name="Text Placeholder 12">
+            <a:extLst>
+              <a:ext uri="{FF2B5EF4-FFF2-40B4-BE49-F238E27FC236}">
+                <a16:creationId xmlns:a16="http://schemas.microsoft.com/office/drawing/2014/main" id="{9414FCEF-93E6-174B-9FC8-3D3B7B2AE09A}"/>
+              </a:ext>
+            </a:extLst>
+          </p:cNvPr>
+          <p:cNvSpPr>
+            <a:spLocks noGrp="1"/>
+          </p:cNvSpPr>
+          <p:nvPr>
+            <p:ph type="body" sz="quarter" idx="15"/>
+          </p:nvPr>
+        </p:nvSpPr>
+        <p:spPr>
+          <a:xfrm>
+            <a:off x="1974849" y="6416675"/>
+            <a:ext cx="7619998" cy="596096"/>
+          </a:xfrm>
+        </p:spPr>
+        <p:txBody>
+          <a:bodyPr/>
+          <a:lstStyle/>
+          <a:p>
+            <a:r>
+              <a:rPr lang="en-NL" dirty="0"/>
+              <a:t>How to crop on 1:1 ratio</a:t>
+            </a:r>
+          </a:p>
+          <a:p>
+            <a:endParaRPr lang="en-NL" dirty="0"/>
+          </a:p>
+        </p:txBody>
+      </p:sp>
+      <p:pic>
+        <p:nvPicPr>
+          <p:cNvPr id="12" name="Picture 11" descr="A group of people sitting at a table&#10;&#10;Description automatically generated">
+            <a:extLst>
+              <a:ext uri="{FF2B5EF4-FFF2-40B4-BE49-F238E27FC236}">
+                <a16:creationId xmlns:a16="http://schemas.microsoft.com/office/drawing/2014/main" id="{B9C3D217-62DF-7249-A78B-68122277A003}"/>
+              </a:ext>
+            </a:extLst>
+          </p:cNvPr>
+          <p:cNvPicPr>
+            <a:picLocks noChangeAspect="1"/>
+          </p:cNvPicPr>
+          <p:nvPr/>
+        </p:nvPicPr>
+        <p:blipFill rotWithShape="1">
+          <a:blip r:embed="rId2" cstate="print">
+            <a:extLst>
+              <a:ext uri="{28A0092B-C50C-407E-A947-70E740481C1C}">
+                <a14:useLocalDpi xmlns:a14="http://schemas.microsoft.com/office/drawing/2010/main" val="0"/>
+              </a:ext>
+            </a:extLst>
+          </a:blip>
+          <a:srcRect/>
+          <a:stretch/>
+        </p:blipFill>
+        <p:spPr>
+          <a:xfrm>
+            <a:off x="10509250" y="1448763"/>
+            <a:ext cx="8031183" cy="8031183"/>
+          </a:xfrm>
+          <a:prstGeom prst="ellipse">
+            <a:avLst/>
+          </a:prstGeom>
+          <a:effectLst>
+            <a:outerShdw blurRad="1270000" dist="254000" dir="5400000" algn="tl" rotWithShape="0">
+              <a:schemeClr val="tx1">
+                <a:alpha val="20000"/>
+              </a:schemeClr>
+            </a:outerShdw>
+          </a:effectLst>
+        </p:spPr>
+      </p:pic>
+    </p:spTree>
+    <p:extLst>
+      <p:ext uri="{BB962C8B-B14F-4D97-AF65-F5344CB8AC3E}">
+        <p14:creationId xmlns:p14="http://schemas.microsoft.com/office/powerpoint/2010/main" val="935665552"/>
+      </p:ext>
+    </p:extLst>
+  </p:cSld>
+  <p:clrMapOvr>
+    <a:masterClrMapping/>
+  </p:clrMapOvr>
+  <mc:AlternateContent xmlns:mc="http://schemas.openxmlformats.org/markup-compatibility/2006" xmlns:p14="http://schemas.microsoft.com/office/powerpoint/2010/main">
+    <mc:Choice Requires="p14">
+      <p:transition spd="med" p14:dur="700">
+        <p:fade/>
+      </p:transition>
+    </mc:Choice>
+    <mc:Fallback xmlns="">
+      <p:transition spd="med">
+        <p:fade/>
+      </p:transition>
+    </mc:Fallback>
+  </mc:AlternateContent>
+</p:sld>
+</file>
+
+<file path=ppt/slides/slide18.xml><?xml version="1.0" encoding="utf-8"?>
+<p:sld xmlns:a="http://schemas.openxmlformats.org/drawingml/2006/main" xmlns:r="http://schemas.openxmlformats.org/officeDocument/2006/relationships" xmlns:p="http://schemas.openxmlformats.org/presentationml/2006/main">
+  <p:cSld>
+    <p:spTree>
+      <p:nvGrpSpPr>
+        <p:cNvPr id="1" name=""/>
+        <p:cNvGrpSpPr/>
+        <p:nvPr/>
+      </p:nvGrpSpPr>
+      <p:grpSpPr>
+        <a:xfrm>
+          <a:off x="0" y="0"/>
+          <a:ext cx="0" cy="0"/>
+          <a:chOff x="0" y="0"/>
+          <a:chExt cx="0" cy="0"/>
+        </a:xfrm>
+      </p:grpSpPr>
+      <p:sp>
+        <p:nvSpPr>
+          <p:cNvPr id="4" name="Rounded Rectangle 3">
+            <a:extLst>
+              <a:ext uri="{FF2B5EF4-FFF2-40B4-BE49-F238E27FC236}">
+                <a16:creationId xmlns:a16="http://schemas.microsoft.com/office/drawing/2014/main" id="{E1B34635-15DA-2E4E-8466-A7CC1614D286}"/>
+              </a:ext>
+            </a:extLst>
+          </p:cNvPr>
+          <p:cNvSpPr/>
+          <p:nvPr/>
+        </p:nvSpPr>
+        <p:spPr>
+          <a:xfrm>
+            <a:off x="2051050" y="2987675"/>
+            <a:ext cx="7086600" cy="3141221"/>
+          </a:xfrm>
+          <a:prstGeom prst="roundRect">
+            <a:avLst/>
+          </a:prstGeom>
+          <a:solidFill>
+            <a:schemeClr val="bg1"/>
+          </a:solidFill>
+          <a:ln>
+            <a:noFill/>
+          </a:ln>
+          <a:effectLst>
+            <a:outerShdw blurRad="1270000" dist="254000" dir="5400000" algn="tl" rotWithShape="0">
+              <a:schemeClr val="tx1">
+                <a:alpha val="20000"/>
+              </a:schemeClr>
+            </a:outerShdw>
+          </a:effectLst>
+        </p:spPr>
+        <p:style>
+          <a:lnRef idx="2">
+            <a:schemeClr val="accent1">
+              <a:shade val="50000"/>
+            </a:schemeClr>
+          </a:lnRef>
+          <a:fillRef idx="1">
+            <a:schemeClr val="accent1"/>
+          </a:fillRef>
+          <a:effectRef idx="0">
+            <a:schemeClr val="accent1"/>
+          </a:effectRef>
+          <a:fontRef idx="minor">
+            <a:schemeClr val="lt1"/>
+          </a:fontRef>
+        </p:style>
+        <p:txBody>
+          <a:bodyPr rtlCol="0" anchor="ctr"/>
+          <a:lstStyle/>
+          <a:p>
+            <a:pPr algn="ctr"/>
+            <a:endParaRPr lang="en-NL"/>
+          </a:p>
+        </p:txBody>
+      </p:sp>
+      <p:sp>
+        <p:nvSpPr>
+          <p:cNvPr id="11" name="Rounded Rectangle 10">
+            <a:extLst>
+              <a:ext uri="{FF2B5EF4-FFF2-40B4-BE49-F238E27FC236}">
+                <a16:creationId xmlns:a16="http://schemas.microsoft.com/office/drawing/2014/main" id="{BA43D443-E2BF-4348-AD8F-10DD2ACD59A0}"/>
+              </a:ext>
+            </a:extLst>
+          </p:cNvPr>
+          <p:cNvSpPr/>
+          <p:nvPr/>
+        </p:nvSpPr>
+        <p:spPr>
+          <a:xfrm>
+            <a:off x="10661650" y="2987675"/>
+            <a:ext cx="7086600" cy="3141221"/>
+          </a:xfrm>
+          <a:prstGeom prst="roundRect">
+            <a:avLst/>
+          </a:prstGeom>
+          <a:solidFill>
+            <a:schemeClr val="bg1"/>
+          </a:solidFill>
+          <a:ln>
+            <a:noFill/>
+          </a:ln>
+          <a:effectLst>
+            <a:outerShdw blurRad="1270000" dist="254000" dir="5400000" algn="tl" rotWithShape="0">
+              <a:schemeClr val="tx1">
+                <a:alpha val="20000"/>
+              </a:schemeClr>
+            </a:outerShdw>
+          </a:effectLst>
+        </p:spPr>
+        <p:style>
+          <a:lnRef idx="2">
+            <a:schemeClr val="accent1">
+              <a:shade val="50000"/>
+            </a:schemeClr>
+          </a:lnRef>
+          <a:fillRef idx="1">
+            <a:schemeClr val="accent1"/>
+          </a:fillRef>
+          <a:effectRef idx="0">
+            <a:schemeClr val="accent1"/>
+          </a:effectRef>
+          <a:fontRef idx="minor">
+            <a:schemeClr val="lt1"/>
+          </a:fontRef>
+        </p:style>
+        <p:txBody>
+          <a:bodyPr rtlCol="0" anchor="ctr"/>
+          <a:lstStyle/>
+          <a:p>
+            <a:pPr algn="ctr"/>
+            <a:endParaRPr lang="en-NL"/>
+          </a:p>
+        </p:txBody>
+      </p:sp>
+      <p:sp>
+        <p:nvSpPr>
+          <p:cNvPr id="2" name="Text Placeholder 1">
+            <a:extLst>
+              <a:ext uri="{FF2B5EF4-FFF2-40B4-BE49-F238E27FC236}">
+                <a16:creationId xmlns:a16="http://schemas.microsoft.com/office/drawing/2014/main" id="{FAE65EAC-B0BC-6845-A6E9-468C73CCACF7}"/>
+              </a:ext>
+            </a:extLst>
+          </p:cNvPr>
+          <p:cNvSpPr>
+            <a:spLocks noGrp="1"/>
+          </p:cNvSpPr>
+          <p:nvPr>
+            <p:ph type="body" sz="quarter" idx="10"/>
+          </p:nvPr>
+        </p:nvSpPr>
+        <p:spPr>
+          <a:xfrm>
+            <a:off x="2584451" y="4150488"/>
+            <a:ext cx="6095999" cy="1981200"/>
+          </a:xfrm>
+        </p:spPr>
+        <p:txBody>
+          <a:bodyPr/>
+          <a:lstStyle/>
+          <a:p>
+            <a:pPr marL="0" indent="0">
+              <a:buNone/>
+            </a:pPr>
+            <a:r>
+              <a:rPr lang="en-US" dirty="0" err="1"/>
+              <a:t>Voor</a:t>
+            </a:r>
+            <a:r>
+              <a:rPr lang="en-US" dirty="0"/>
+              <a:t> </a:t>
+            </a:r>
+            <a:r>
+              <a:rPr lang="en-US" dirty="0" err="1"/>
+              <a:t>vlakken</a:t>
+            </a:r>
+            <a:r>
+              <a:rPr lang="en-US" dirty="0"/>
+              <a:t> achter </a:t>
+            </a:r>
+            <a:r>
+              <a:rPr lang="en-US" dirty="0" err="1"/>
+              <a:t>een</a:t>
+            </a:r>
+            <a:r>
+              <a:rPr lang="en-US" dirty="0"/>
+              <a:t> </a:t>
+            </a:r>
+            <a:r>
+              <a:rPr lang="en-US" dirty="0" err="1"/>
+              <a:t>tekst</a:t>
+            </a:r>
+            <a:r>
+              <a:rPr lang="en-US" dirty="0"/>
+              <a:t>, of </a:t>
+            </a:r>
+            <a:r>
+              <a:rPr lang="en-US" dirty="0" err="1"/>
+              <a:t>andere</a:t>
+            </a:r>
+            <a:r>
+              <a:rPr lang="en-US" dirty="0"/>
+              <a:t> </a:t>
+            </a:r>
+            <a:r>
+              <a:rPr lang="en-US" dirty="0" err="1"/>
+              <a:t>elementen</a:t>
+            </a:r>
+            <a:r>
+              <a:rPr lang="en-US" dirty="0"/>
+              <a:t> die </a:t>
+            </a:r>
+            <a:r>
+              <a:rPr lang="en-US" dirty="0" err="1"/>
+              <a:t>kadering</a:t>
+            </a:r>
+            <a:r>
+              <a:rPr lang="en-US" dirty="0"/>
+              <a:t> </a:t>
+            </a:r>
+            <a:r>
+              <a:rPr lang="en-US" dirty="0" err="1"/>
+              <a:t>nodig</a:t>
+            </a:r>
+            <a:r>
+              <a:rPr lang="en-US" dirty="0"/>
+              <a:t> </a:t>
+            </a:r>
+            <a:r>
+              <a:rPr lang="en-US" dirty="0" err="1"/>
+              <a:t>hebben</a:t>
+            </a:r>
+            <a:r>
+              <a:rPr lang="en-US" dirty="0"/>
+              <a:t>. (</a:t>
+            </a:r>
+            <a:r>
+              <a:rPr lang="en-US" dirty="0" err="1"/>
+              <a:t>Niet</a:t>
+            </a:r>
+            <a:r>
+              <a:rPr lang="en-US" dirty="0"/>
+              <a:t> </a:t>
+            </a:r>
+            <a:r>
+              <a:rPr lang="en-US" dirty="0" err="1"/>
+              <a:t>verplicht</a:t>
+            </a:r>
+            <a:r>
+              <a:rPr lang="en-US" dirty="0"/>
+              <a:t>)</a:t>
+            </a:r>
+            <a:endParaRPr lang="en-NL" dirty="0"/>
+          </a:p>
+        </p:txBody>
+      </p:sp>
+      <p:sp>
+        <p:nvSpPr>
+          <p:cNvPr id="3" name="Title 2">
+            <a:extLst>
+              <a:ext uri="{FF2B5EF4-FFF2-40B4-BE49-F238E27FC236}">
+                <a16:creationId xmlns:a16="http://schemas.microsoft.com/office/drawing/2014/main" id="{A6299121-4ECF-604C-AC60-88B1105256A5}"/>
+              </a:ext>
+            </a:extLst>
+          </p:cNvPr>
+          <p:cNvSpPr>
+            <a:spLocks noGrp="1"/>
+          </p:cNvSpPr>
+          <p:nvPr>
+            <p:ph type="title"/>
+          </p:nvPr>
+        </p:nvSpPr>
+        <p:spPr/>
+        <p:txBody>
+          <a:bodyPr/>
+          <a:lstStyle/>
+          <a:p>
+            <a:r>
+              <a:rPr lang="en-NL" dirty="0"/>
+              <a:t>Drop Shadow Element.</a:t>
+            </a:r>
+          </a:p>
+        </p:txBody>
+      </p:sp>
+      <p:sp>
+        <p:nvSpPr>
+          <p:cNvPr id="5" name="Text Placeholder 4">
+            <a:extLst>
+              <a:ext uri="{FF2B5EF4-FFF2-40B4-BE49-F238E27FC236}">
+                <a16:creationId xmlns:a16="http://schemas.microsoft.com/office/drawing/2014/main" id="{A9963EF3-3F21-324F-8696-709868BA8748}"/>
+              </a:ext>
+            </a:extLst>
+          </p:cNvPr>
+          <p:cNvSpPr>
+            <a:spLocks noGrp="1"/>
+          </p:cNvSpPr>
+          <p:nvPr>
+            <p:ph type="body" sz="quarter" idx="11"/>
+          </p:nvPr>
+        </p:nvSpPr>
+        <p:spPr>
+          <a:xfrm>
+            <a:off x="11118852" y="4151896"/>
+            <a:ext cx="7620000" cy="1981200"/>
+          </a:xfrm>
+        </p:spPr>
+        <p:txBody>
+          <a:bodyPr/>
+          <a:lstStyle/>
+          <a:p>
+            <a:r>
+              <a:rPr lang="en-US" dirty="0"/>
+              <a:t>Bullet 1</a:t>
+            </a:r>
+            <a:endParaRPr lang="en-NL" dirty="0"/>
+          </a:p>
+          <a:p>
+            <a:r>
+              <a:rPr lang="en-US" dirty="0"/>
+              <a:t>Bullet 2</a:t>
+            </a:r>
+          </a:p>
+          <a:p>
+            <a:r>
+              <a:rPr lang="en-US" dirty="0"/>
+              <a:t>Bullet 3</a:t>
+            </a:r>
+            <a:endParaRPr lang="en-NL" dirty="0"/>
+          </a:p>
+          <a:p>
+            <a:endParaRPr lang="en-US" dirty="0"/>
+          </a:p>
+        </p:txBody>
+      </p:sp>
+      <p:sp>
+        <p:nvSpPr>
+          <p:cNvPr id="13" name="Text Placeholder 12">
+            <a:extLst>
+              <a:ext uri="{FF2B5EF4-FFF2-40B4-BE49-F238E27FC236}">
+                <a16:creationId xmlns:a16="http://schemas.microsoft.com/office/drawing/2014/main" id="{C6BC17A5-7244-6146-809B-61E660B1A4DE}"/>
+              </a:ext>
+            </a:extLst>
+          </p:cNvPr>
+          <p:cNvSpPr>
+            <a:spLocks noGrp="1"/>
+          </p:cNvSpPr>
+          <p:nvPr>
+            <p:ph type="body" sz="quarter" idx="14"/>
+          </p:nvPr>
+        </p:nvSpPr>
+        <p:spPr>
+          <a:xfrm>
+            <a:off x="2584450" y="3403399"/>
+            <a:ext cx="7619998" cy="596096"/>
+          </a:xfrm>
+        </p:spPr>
+        <p:txBody>
+          <a:bodyPr/>
+          <a:lstStyle/>
+          <a:p>
+            <a:r>
+              <a:rPr lang="en-NL" dirty="0"/>
+              <a:t>Drop Shadow</a:t>
+            </a:r>
+          </a:p>
+          <a:p>
+            <a:endParaRPr lang="en-NL" dirty="0"/>
+          </a:p>
+        </p:txBody>
+      </p:sp>
+      <p:sp>
+        <p:nvSpPr>
+          <p:cNvPr id="14" name="Text Placeholder 13">
+            <a:extLst>
+              <a:ext uri="{FF2B5EF4-FFF2-40B4-BE49-F238E27FC236}">
+                <a16:creationId xmlns:a16="http://schemas.microsoft.com/office/drawing/2014/main" id="{F39383B1-DB26-ED4D-8A6D-20E85783D146}"/>
+              </a:ext>
+            </a:extLst>
+          </p:cNvPr>
+          <p:cNvSpPr>
+            <a:spLocks noGrp="1"/>
+          </p:cNvSpPr>
+          <p:nvPr>
+            <p:ph type="body" sz="quarter" idx="15"/>
+          </p:nvPr>
+        </p:nvSpPr>
+        <p:spPr>
+          <a:xfrm>
+            <a:off x="11118852" y="3368675"/>
+            <a:ext cx="7619998" cy="596096"/>
+          </a:xfrm>
+        </p:spPr>
+        <p:txBody>
+          <a:bodyPr/>
+          <a:lstStyle/>
+          <a:p>
+            <a:r>
+              <a:rPr lang="en-NL" dirty="0"/>
+              <a:t>Just a sample</a:t>
+            </a:r>
+          </a:p>
+        </p:txBody>
+      </p:sp>
+      <p:pic>
+        <p:nvPicPr>
+          <p:cNvPr id="15" name="Picture 14" descr="A group of people sitting at a table&#10;&#10;Description automatically generated">
+            <a:extLst>
+              <a:ext uri="{FF2B5EF4-FFF2-40B4-BE49-F238E27FC236}">
+                <a16:creationId xmlns:a16="http://schemas.microsoft.com/office/drawing/2014/main" id="{EC7C924D-BDEB-AE47-9F47-74B884E9DA52}"/>
+              </a:ext>
+            </a:extLst>
+          </p:cNvPr>
+          <p:cNvPicPr>
+            <a:picLocks noChangeAspect="1"/>
+          </p:cNvPicPr>
+          <p:nvPr/>
+        </p:nvPicPr>
+        <p:blipFill rotWithShape="1">
+          <a:blip r:embed="rId2" cstate="print">
+            <a:extLst>
+              <a:ext uri="{28A0092B-C50C-407E-A947-70E740481C1C}">
+                <a14:useLocalDpi xmlns:a14="http://schemas.microsoft.com/office/drawing/2010/main" val="0"/>
+              </a:ext>
+            </a:extLst>
+          </a:blip>
+          <a:srcRect/>
+          <a:stretch/>
+        </p:blipFill>
+        <p:spPr>
+          <a:xfrm>
+            <a:off x="6725050" y="5578475"/>
+            <a:ext cx="3669899" cy="3669899"/>
+          </a:xfrm>
+          <a:prstGeom prst="ellipse">
+            <a:avLst/>
+          </a:prstGeom>
+          <a:effectLst>
+            <a:outerShdw blurRad="1270000" dist="254000" dir="5400000" algn="tl" rotWithShape="0">
+              <a:schemeClr val="tx1">
+                <a:alpha val="20000"/>
+              </a:schemeClr>
+            </a:outerShdw>
+          </a:effectLst>
+        </p:spPr>
+      </p:pic>
+    </p:spTree>
+    <p:extLst>
+      <p:ext uri="{BB962C8B-B14F-4D97-AF65-F5344CB8AC3E}">
+        <p14:creationId xmlns:p14="http://schemas.microsoft.com/office/powerpoint/2010/main" val="670858236"/>
+      </p:ext>
+    </p:extLst>
+  </p:cSld>
+  <p:clrMapOvr>
+    <a:masterClrMapping/>
+  </p:clrMapOvr>
+  <mc:AlternateContent xmlns:mc="http://schemas.openxmlformats.org/markup-compatibility/2006" xmlns:p14="http://schemas.microsoft.com/office/powerpoint/2010/main">
+    <mc:Choice Requires="p14">
+      <p:transition spd="med" p14:dur="700">
+        <p:fade/>
+      </p:transition>
+    </mc:Choice>
+    <mc:Fallback xmlns="">
+      <p:transition spd="med">
+        <p:fade/>
+      </p:transition>
+    </mc:Fallback>
+  </mc:AlternateContent>
+</p:sld>
+</file>
+
+<file path=ppt/slides/slide19.xml><?xml version="1.0" encoding="utf-8"?>
 <p:sld xmlns:a="http://schemas.openxmlformats.org/drawingml/2006/main" xmlns:r="http://schemas.openxmlformats.org/officeDocument/2006/relationships" xmlns:p="http://schemas.openxmlformats.org/presentationml/2006/main">
   <p:cSld>
     <p:spTree>
@@ -9858,7 +11918,7 @@
         </p:blipFill>
         <p:spPr>
           <a:xfrm>
-            <a:off x="10509250" y="1448763"/>
+            <a:off x="11453915" y="1448763"/>
             <a:ext cx="8031183" cy="8031183"/>
           </a:xfrm>
           <a:prstGeom prst="ellipse">
@@ -10644,7 +12704,12 @@
             <p:ph type="title"/>
           </p:nvPr>
         </p:nvSpPr>
-        <p:spPr/>
+        <p:spPr>
+          <a:xfrm>
+            <a:off x="1974850" y="1448763"/>
+            <a:ext cx="15854064" cy="1066800"/>
+          </a:xfrm>
+        </p:spPr>
         <p:txBody>
           <a:bodyPr/>
           <a:lstStyle/>
@@ -10677,7 +12742,10 @@
           <a:bodyPr/>
           <a:lstStyle/>
           <a:p>
-            <a:endParaRPr lang="en-NL"/>
+            <a:r>
+              <a:rPr lang="en-NL" dirty="0"/>
+              <a:t>Voor echt grote datasets gedistribueerde oplossingen (Spark / Dask)</a:t>
+            </a:r>
           </a:p>
         </p:txBody>
       </p:sp>
@@ -10702,7 +12770,7 @@
           <a:bodyPr/>
           <a:lstStyle/>
           <a:p>
-            <a:endParaRPr lang="en-NL"/>
+            <a:endParaRPr lang="en-NL" dirty="0"/>
           </a:p>
         </p:txBody>
       </p:sp>
@@ -10780,7 +12848,10 @@
           <a:bodyPr/>
           <a:lstStyle/>
           <a:p>
-            <a:endParaRPr lang="en-NL"/>
+            <a:r>
+              <a:rPr lang="en-NL" dirty="0"/>
+              <a:t>Pandas: alles in-memory</a:t>
+            </a:r>
           </a:p>
         </p:txBody>
       </p:sp>
@@ -10805,7 +12876,10 @@
           <a:bodyPr/>
           <a:lstStyle/>
           <a:p>
-            <a:endParaRPr lang="en-NL"/>
+            <a:r>
+              <a:rPr lang="en-NL" dirty="0"/>
+              <a:t>Niet geschikt voor mobile</a:t>
+            </a:r>
           </a:p>
         </p:txBody>
       </p:sp>
@@ -10878,10 +12952,10 @@
       </p:grpSpPr>
       <p:sp>
         <p:nvSpPr>
-          <p:cNvPr id="2" name="Text Placeholder 1">
-            <a:extLst>
-              <a:ext uri="{FF2B5EF4-FFF2-40B4-BE49-F238E27FC236}">
-                <a16:creationId xmlns:a16="http://schemas.microsoft.com/office/drawing/2014/main" id="{E3E8C024-7F27-4349-9CCD-AE7C7F3F8F51}"/>
+          <p:cNvPr id="3" name="Title 2">
+            <a:extLst>
+              <a:ext uri="{FF2B5EF4-FFF2-40B4-BE49-F238E27FC236}">
+                <a16:creationId xmlns:a16="http://schemas.microsoft.com/office/drawing/2014/main" id="{910007AC-F0A4-336D-7147-7447A595F2B9}"/>
               </a:ext>
             </a:extLst>
           </p:cNvPr>
@@ -10889,66 +12963,55 @@
             <a:spLocks noGrp="1"/>
           </p:cNvSpPr>
           <p:nvPr>
-            <p:ph type="body" sz="quarter" idx="10"/>
+            <p:ph type="title"/>
           </p:nvPr>
         </p:nvSpPr>
+        <p:spPr/>
+        <p:txBody>
+          <a:bodyPr/>
+          <a:lstStyle/>
+          <a:p>
+            <a:r>
+              <a:rPr lang="en-NL" dirty="0"/>
+              <a:t>Wegen naar Python</a:t>
+            </a:r>
+          </a:p>
+        </p:txBody>
+      </p:sp>
+      <p:pic>
+        <p:nvPicPr>
+          <p:cNvPr id="4" name="Picture 3" descr="Text, map&#10;&#10;Description automatically generated">
+            <a:extLst>
+              <a:ext uri="{FF2B5EF4-FFF2-40B4-BE49-F238E27FC236}">
+                <a16:creationId xmlns:a16="http://schemas.microsoft.com/office/drawing/2014/main" id="{77DD5B43-232D-F115-C93B-CFC7E3AF5AFA}"/>
+              </a:ext>
+            </a:extLst>
+          </p:cNvPr>
+          <p:cNvPicPr>
+            <a:picLocks noChangeAspect="1"/>
+          </p:cNvPicPr>
+          <p:nvPr/>
+        </p:nvPicPr>
+        <p:blipFill>
+          <a:blip r:embed="rId2"/>
+          <a:stretch>
+            <a:fillRect/>
+          </a:stretch>
+        </p:blipFill>
         <p:spPr>
+          <a:xfrm>
+            <a:off x="4363418" y="3854475"/>
+            <a:ext cx="11377264" cy="6826358"/>
+          </a:xfrm>
           <a:prstGeom prst="rect">
             <a:avLst/>
           </a:prstGeom>
         </p:spPr>
-        <p:txBody>
-          <a:bodyPr>
-            <a:normAutofit fontScale="55000" lnSpcReduction="20000"/>
-          </a:bodyPr>
-          <a:lstStyle/>
-          <a:p>
-            <a:r>
-              <a:rPr lang="en-US" dirty="0"/>
-              <a:t>Next slides contains elements you can </a:t>
-            </a:r>
-            <a:r>
-              <a:rPr lang="en-US" dirty="0">
-                <a:solidFill>
-                  <a:schemeClr val="accent2"/>
-                </a:solidFill>
-              </a:rPr>
-              <a:t>copy and paste with the ‘format’ tool.</a:t>
-            </a:r>
-          </a:p>
-        </p:txBody>
-      </p:sp>
-      <p:sp>
-        <p:nvSpPr>
-          <p:cNvPr id="5" name="Text Placeholder 4">
-            <a:extLst>
-              <a:ext uri="{FF2B5EF4-FFF2-40B4-BE49-F238E27FC236}">
-                <a16:creationId xmlns:a16="http://schemas.microsoft.com/office/drawing/2014/main" id="{95C7918E-B467-DF49-A39B-65818DE83E11}"/>
-              </a:ext>
-            </a:extLst>
-          </p:cNvPr>
-          <p:cNvSpPr>
-            <a:spLocks noGrp="1"/>
-          </p:cNvSpPr>
-          <p:nvPr>
-            <p:ph type="body" sz="quarter" idx="11"/>
-          </p:nvPr>
-        </p:nvSpPr>
-        <p:spPr/>
-        <p:txBody>
-          <a:bodyPr>
-            <a:normAutofit fontScale="47500" lnSpcReduction="20000"/>
-          </a:bodyPr>
-          <a:lstStyle/>
-          <a:p>
-            <a:endParaRPr lang="en-NL"/>
-          </a:p>
-        </p:txBody>
-      </p:sp>
+      </p:pic>
     </p:spTree>
     <p:extLst>
       <p:ext uri="{BB962C8B-B14F-4D97-AF65-F5344CB8AC3E}">
-        <p14:creationId xmlns:p14="http://schemas.microsoft.com/office/powerpoint/2010/main" val="1151723011"/>
+        <p14:creationId xmlns:p14="http://schemas.microsoft.com/office/powerpoint/2010/main" val="4225030595"/>
       </p:ext>
     </p:extLst>
   </p:cSld>
@@ -10989,47 +13052,10 @@
       </p:grpSpPr>
       <p:sp>
         <p:nvSpPr>
-          <p:cNvPr id="2" name="Text Placeholder 1">
-            <a:extLst>
-              <a:ext uri="{FF2B5EF4-FFF2-40B4-BE49-F238E27FC236}">
-                <a16:creationId xmlns:a16="http://schemas.microsoft.com/office/drawing/2014/main" id="{FAE65EAC-B0BC-6845-A6E9-468C73CCACF7}"/>
-              </a:ext>
-            </a:extLst>
-          </p:cNvPr>
-          <p:cNvSpPr>
-            <a:spLocks noGrp="1"/>
-          </p:cNvSpPr>
-          <p:nvPr>
-            <p:ph type="body" sz="quarter" idx="10"/>
-          </p:nvPr>
-        </p:nvSpPr>
-        <p:spPr>
-          <a:xfrm>
-            <a:off x="1974850" y="3887164"/>
-            <a:ext cx="7315200" cy="1981200"/>
-          </a:xfrm>
-        </p:spPr>
-        <p:txBody>
-          <a:bodyPr/>
-          <a:lstStyle/>
-          <a:p>
-            <a:pPr marL="0" indent="0">
-              <a:buNone/>
-            </a:pPr>
-            <a:r>
-              <a:rPr lang="en-US" dirty="0"/>
-              <a:t>A photo doesn’t always have to be circular or rounded. It can also contain 50% or less/more on the side as a separator. </a:t>
-            </a:r>
-            <a:endParaRPr lang="en-NL" dirty="0"/>
-          </a:p>
-        </p:txBody>
-      </p:sp>
-      <p:sp>
-        <p:nvSpPr>
           <p:cNvPr id="3" name="Title 2">
             <a:extLst>
               <a:ext uri="{FF2B5EF4-FFF2-40B4-BE49-F238E27FC236}">
-                <a16:creationId xmlns:a16="http://schemas.microsoft.com/office/drawing/2014/main" id="{A6299121-4ECF-604C-AC60-88B1105256A5}"/>
+                <a16:creationId xmlns:a16="http://schemas.microsoft.com/office/drawing/2014/main" id="{4E6508D9-B732-6DCF-560D-7BBF384EBC97}"/>
               </a:ext>
             </a:extLst>
           </p:cNvPr>
@@ -11047,151 +13073,17 @@
           <a:p>
             <a:r>
               <a:rPr lang="en-NL" dirty="0"/>
-              <a:t>Photo Side.</a:t>
-            </a:r>
-          </a:p>
-        </p:txBody>
-      </p:sp>
-      <p:sp>
-        <p:nvSpPr>
-          <p:cNvPr id="7" name="Text Placeholder 6">
-            <a:extLst>
-              <a:ext uri="{FF2B5EF4-FFF2-40B4-BE49-F238E27FC236}">
-                <a16:creationId xmlns:a16="http://schemas.microsoft.com/office/drawing/2014/main" id="{A2C77E2D-2F14-844F-93D2-ACE5F043FD93}"/>
-              </a:ext>
-            </a:extLst>
-          </p:cNvPr>
-          <p:cNvSpPr>
-            <a:spLocks noGrp="1"/>
-          </p:cNvSpPr>
-          <p:nvPr>
-            <p:ph type="body" sz="quarter" idx="11"/>
-          </p:nvPr>
-        </p:nvSpPr>
-        <p:spPr/>
-        <p:txBody>
-          <a:bodyPr/>
-          <a:lstStyle/>
-          <a:p>
-            <a:r>
-              <a:rPr lang="en-NL" dirty="0"/>
-              <a:t>Big photo covering the side</a:t>
-            </a:r>
-          </a:p>
-        </p:txBody>
-      </p:sp>
-      <p:sp>
-        <p:nvSpPr>
-          <p:cNvPr id="19" name="Text Placeholder 18">
-            <a:extLst>
-              <a:ext uri="{FF2B5EF4-FFF2-40B4-BE49-F238E27FC236}">
-                <a16:creationId xmlns:a16="http://schemas.microsoft.com/office/drawing/2014/main" id="{C73441C0-E738-8A49-9A9F-56A3B95A573F}"/>
-              </a:ext>
-            </a:extLst>
-          </p:cNvPr>
-          <p:cNvSpPr>
-            <a:spLocks noGrp="1"/>
-          </p:cNvSpPr>
-          <p:nvPr>
-            <p:ph type="body" sz="quarter" idx="13"/>
-          </p:nvPr>
-        </p:nvSpPr>
-        <p:spPr/>
-        <p:txBody>
-          <a:bodyPr/>
-          <a:lstStyle/>
-          <a:p>
-            <a:endParaRPr lang="en-NL"/>
-          </a:p>
-        </p:txBody>
-      </p:sp>
-      <p:sp>
-        <p:nvSpPr>
-          <p:cNvPr id="20" name="Text Placeholder 19">
-            <a:extLst>
-              <a:ext uri="{FF2B5EF4-FFF2-40B4-BE49-F238E27FC236}">
-                <a16:creationId xmlns:a16="http://schemas.microsoft.com/office/drawing/2014/main" id="{E02C53C2-3A32-9B4A-84B5-489354441A9F}"/>
-              </a:ext>
-            </a:extLst>
-          </p:cNvPr>
-          <p:cNvSpPr>
-            <a:spLocks noGrp="1"/>
-          </p:cNvSpPr>
-          <p:nvPr>
-            <p:ph type="body" sz="quarter" idx="14"/>
-          </p:nvPr>
-        </p:nvSpPr>
-        <p:spPr/>
-        <p:txBody>
-          <a:bodyPr/>
-          <a:lstStyle/>
-          <a:p>
-            <a:r>
-              <a:rPr lang="en-NL" dirty="0"/>
-              <a:t>Big photo covering the side</a:t>
-            </a:r>
-          </a:p>
-          <a:p>
-            <a:endParaRPr lang="en-NL" dirty="0"/>
-          </a:p>
-        </p:txBody>
-      </p:sp>
-      <p:sp>
-        <p:nvSpPr>
-          <p:cNvPr id="21" name="Text Placeholder 20">
-            <a:extLst>
-              <a:ext uri="{FF2B5EF4-FFF2-40B4-BE49-F238E27FC236}">
-                <a16:creationId xmlns:a16="http://schemas.microsoft.com/office/drawing/2014/main" id="{C9C29F57-E96F-D448-8730-227A99302960}"/>
-              </a:ext>
-            </a:extLst>
-          </p:cNvPr>
-          <p:cNvSpPr>
-            <a:spLocks noGrp="1"/>
-          </p:cNvSpPr>
-          <p:nvPr>
-            <p:ph type="body" sz="quarter" idx="15"/>
-          </p:nvPr>
-        </p:nvSpPr>
-        <p:spPr/>
-        <p:txBody>
-          <a:bodyPr/>
-          <a:lstStyle/>
-          <a:p>
-            <a:endParaRPr lang="en-NL"/>
-          </a:p>
-        </p:txBody>
-      </p:sp>
-      <p:sp>
-        <p:nvSpPr>
-          <p:cNvPr id="23" name="Text Placeholder 22">
-            <a:extLst>
-              <a:ext uri="{FF2B5EF4-FFF2-40B4-BE49-F238E27FC236}">
-                <a16:creationId xmlns:a16="http://schemas.microsoft.com/office/drawing/2014/main" id="{FC659330-BB04-F246-890F-886F51B27F37}"/>
-              </a:ext>
-            </a:extLst>
-          </p:cNvPr>
-          <p:cNvSpPr>
-            <a:spLocks noGrp="1"/>
-          </p:cNvSpPr>
-          <p:nvPr>
-            <p:ph type="body" sz="quarter" idx="17"/>
-          </p:nvPr>
-        </p:nvSpPr>
-        <p:spPr/>
-        <p:txBody>
-          <a:bodyPr/>
-          <a:lstStyle/>
-          <a:p>
-            <a:endParaRPr lang="en-NL"/>
+              <a:t>Het Python Data-ecosysteem</a:t>
+            </a:r>
           </a:p>
         </p:txBody>
       </p:sp>
       <p:pic>
         <p:nvPicPr>
-          <p:cNvPr id="12" name="Picture 11" descr="A group of people sitting at a table&#10;&#10;Description automatically generated">
-            <a:extLst>
-              <a:ext uri="{FF2B5EF4-FFF2-40B4-BE49-F238E27FC236}">
-                <a16:creationId xmlns:a16="http://schemas.microsoft.com/office/drawing/2014/main" id="{B9C3D217-62DF-7249-A78B-68122277A003}"/>
+          <p:cNvPr id="4" name="Picture 3" descr="A picture containing diagram&#10;&#10;Description automatically generated">
+            <a:extLst>
+              <a:ext uri="{FF2B5EF4-FFF2-40B4-BE49-F238E27FC236}">
+                <a16:creationId xmlns:a16="http://schemas.microsoft.com/office/drawing/2014/main" id="{C34D59C0-4C49-0A7D-C56B-99C1354595CB}"/>
               </a:ext>
             </a:extLst>
           </p:cNvPr>
@@ -11200,32 +13092,167 @@
           </p:cNvPicPr>
           <p:nvPr/>
         </p:nvPicPr>
+        <p:blipFill rotWithShape="1">
+          <a:blip r:embed="rId2"/>
+          <a:srcRect l="3611"/>
+          <a:stretch/>
+        </p:blipFill>
+        <p:spPr>
+          <a:xfrm>
+            <a:off x="5443538" y="4119707"/>
+            <a:ext cx="7848872" cy="6941837"/>
+          </a:xfrm>
+          <a:prstGeom prst="rect">
+            <a:avLst/>
+          </a:prstGeom>
+          <a:effectLst/>
+        </p:spPr>
+      </p:pic>
+      <p:pic>
+        <p:nvPicPr>
+          <p:cNvPr id="5" name="Picture 2" descr="Apache Airflow - Wikipedia">
+            <a:extLst>
+              <a:ext uri="{FF2B5EF4-FFF2-40B4-BE49-F238E27FC236}">
+                <a16:creationId xmlns:a16="http://schemas.microsoft.com/office/drawing/2014/main" id="{9D7B8572-6942-6454-11FA-D33797E8E938}"/>
+              </a:ext>
+            </a:extLst>
+          </p:cNvPr>
+          <p:cNvPicPr>
+            <a:picLocks noChangeAspect="1" noChangeArrowheads="1"/>
+          </p:cNvPicPr>
+          <p:nvPr/>
+        </p:nvPicPr>
         <p:blipFill>
-          <a:blip r:embed="rId2">
+          <a:blip r:embed="rId3">
             <a:extLst>
               <a:ext uri="{28A0092B-C50C-407E-A947-70E740481C1C}">
                 <a14:useLocalDpi xmlns:a14="http://schemas.microsoft.com/office/drawing/2010/main" val="0"/>
               </a:ext>
             </a:extLst>
           </a:blip>
+          <a:srcRect/>
           <a:stretch>
             <a:fillRect/>
           </a:stretch>
         </p:blipFill>
-        <p:spPr>
+        <p:spPr bwMode="auto">
           <a:xfrm>
-            <a:off x="10064991" y="0"/>
-            <a:ext cx="11309350" cy="11309350"/>
+            <a:off x="12820692" y="7105439"/>
+            <a:ext cx="2253606" cy="865336"/>
           </a:xfrm>
           <a:prstGeom prst="rect">
             <a:avLst/>
           </a:prstGeom>
+          <a:noFill/>
+          <a:extLst>
+            <a:ext uri="{909E8E84-426E-40DD-AFC4-6F175D3DCCD1}">
+              <a14:hiddenFill xmlns:a14="http://schemas.microsoft.com/office/drawing/2010/main">
+                <a:solidFill>
+                  <a:srgbClr val="FFFFFF"/>
+                </a:solidFill>
+              </a14:hiddenFill>
+            </a:ext>
+          </a:extLst>
+        </p:spPr>
+      </p:pic>
+      <p:pic>
+        <p:nvPicPr>
+          <p:cNvPr id="6" name="Picture 8">
+            <a:extLst>
+              <a:ext uri="{FF2B5EF4-FFF2-40B4-BE49-F238E27FC236}">
+                <a16:creationId xmlns:a16="http://schemas.microsoft.com/office/drawing/2014/main" id="{1DDAD52D-AF3F-41F5-AF9F-AC10BFD4F78C}"/>
+              </a:ext>
+            </a:extLst>
+          </p:cNvPr>
+          <p:cNvPicPr>
+            <a:picLocks noChangeAspect="1" noChangeArrowheads="1"/>
+          </p:cNvPicPr>
+          <p:nvPr/>
+        </p:nvPicPr>
+        <p:blipFill>
+          <a:blip r:embed="rId4">
+            <a:extLst>
+              <a:ext uri="{28A0092B-C50C-407E-A947-70E740481C1C}">
+                <a14:useLocalDpi xmlns:a14="http://schemas.microsoft.com/office/drawing/2010/main" val="0"/>
+              </a:ext>
+            </a:extLst>
+          </a:blip>
+          <a:srcRect/>
+          <a:stretch>
+            <a:fillRect/>
+          </a:stretch>
+        </p:blipFill>
+        <p:spPr bwMode="auto">
+          <a:xfrm>
+            <a:off x="4788453" y="3597931"/>
+            <a:ext cx="1310169" cy="1524331"/>
+          </a:xfrm>
+          <a:prstGeom prst="rect">
+            <a:avLst/>
+          </a:prstGeom>
+          <a:noFill/>
+          <a:extLst>
+            <a:ext uri="{909E8E84-426E-40DD-AFC4-6F175D3DCCD1}">
+              <a14:hiddenFill xmlns:a14="http://schemas.microsoft.com/office/drawing/2010/main">
+                <a:solidFill>
+                  <a:srgbClr val="FFFFFF"/>
+                </a:solidFill>
+              </a14:hiddenFill>
+            </a:ext>
+          </a:extLst>
+        </p:spPr>
+      </p:pic>
+      <p:pic>
+        <p:nvPicPr>
+          <p:cNvPr id="7" name="Picture 10" descr="Unit Testing with PySpark. By David Illes, Vice President at… | by  Cambridge Spark | Cambridge Spark">
+            <a:extLst>
+              <a:ext uri="{FF2B5EF4-FFF2-40B4-BE49-F238E27FC236}">
+                <a16:creationId xmlns:a16="http://schemas.microsoft.com/office/drawing/2014/main" id="{704BF301-51EB-0FD5-E98A-A457B2DF4021}"/>
+              </a:ext>
+            </a:extLst>
+          </p:cNvPr>
+          <p:cNvPicPr>
+            <a:picLocks noChangeAspect="1" noChangeArrowheads="1"/>
+          </p:cNvPicPr>
+          <p:nvPr/>
+        </p:nvPicPr>
+        <p:blipFill>
+          <a:blip r:embed="rId5">
+            <a:extLst>
+              <a:ext uri="{28A0092B-C50C-407E-A947-70E740481C1C}">
+                <a14:useLocalDpi xmlns:a14="http://schemas.microsoft.com/office/drawing/2010/main" val="0"/>
+              </a:ext>
+            </a:extLst>
+          </a:blip>
+          <a:srcRect/>
+          <a:stretch>
+            <a:fillRect/>
+          </a:stretch>
+        </p:blipFill>
+        <p:spPr bwMode="auto">
+          <a:xfrm>
+            <a:off x="12165607" y="3726976"/>
+            <a:ext cx="2253606" cy="1266240"/>
+          </a:xfrm>
+          <a:prstGeom prst="rect">
+            <a:avLst/>
+          </a:prstGeom>
+          <a:noFill/>
+          <a:extLst>
+            <a:ext uri="{909E8E84-426E-40DD-AFC4-6F175D3DCCD1}">
+              <a14:hiddenFill xmlns:a14="http://schemas.microsoft.com/office/drawing/2010/main">
+                <a:solidFill>
+                  <a:srgbClr val="FFFFFF"/>
+                </a:solidFill>
+              </a14:hiddenFill>
+            </a:ext>
+          </a:extLst>
         </p:spPr>
       </p:pic>
     </p:spTree>
     <p:extLst>
       <p:ext uri="{BB962C8B-B14F-4D97-AF65-F5344CB8AC3E}">
-        <p14:creationId xmlns:p14="http://schemas.microsoft.com/office/powerpoint/2010/main" val="215919696"/>
+        <p14:creationId xmlns:p14="http://schemas.microsoft.com/office/powerpoint/2010/main" val="2419267331"/>
       </p:ext>
     </p:extLst>
   </p:cSld>
@@ -11269,7 +13296,7 @@
           <p:cNvPr id="2" name="Text Placeholder 1">
             <a:extLst>
               <a:ext uri="{FF2B5EF4-FFF2-40B4-BE49-F238E27FC236}">
-                <a16:creationId xmlns:a16="http://schemas.microsoft.com/office/drawing/2014/main" id="{FAE65EAC-B0BC-6845-A6E9-468C73CCACF7}"/>
+                <a16:creationId xmlns:a16="http://schemas.microsoft.com/office/drawing/2014/main" id="{2F42402C-E388-ACFE-2D67-A1FDE19F2B9C}"/>
               </a:ext>
             </a:extLst>
           </p:cNvPr>
@@ -11285,13 +13312,37 @@
           <a:bodyPr/>
           <a:lstStyle/>
           <a:p>
-            <a:pPr marL="0" indent="0">
-              <a:buNone/>
+            <a:pPr marL="457200" indent="-457200">
+              <a:buFont typeface="Arial" panose="020B0604020202020204" pitchFamily="34" charset="0"/>
+              <a:buChar char="•"/>
             </a:pPr>
             <a:r>
-              <a:rPr lang="en-US" dirty="0"/>
-              <a:t>To get the circular photo, make sure that you have a square photo and simply copy the formatting of the sample to your required photo. If the photo isn’t squared yet, read below on how to do that.</a:t>
-            </a:r>
+              <a:rPr lang="en-NL" dirty="0"/>
+              <a:t>Intro Jupyter</a:t>
+            </a:r>
+          </a:p>
+          <a:p>
+            <a:pPr marL="457200" indent="-457200">
+              <a:buFont typeface="Arial" panose="020B0604020202020204" pitchFamily="34" charset="0"/>
+              <a:buChar char="•"/>
+            </a:pPr>
+            <a:r>
+              <a:rPr lang="en-NL" dirty="0"/>
+              <a:t>Jupyter Notebook, Jupyter Lab, VS Code, Google Colab, …</a:t>
+            </a:r>
+          </a:p>
+          <a:p>
+            <a:pPr marL="457200" indent="-457200">
+              <a:buFont typeface="Arial" panose="020B0604020202020204" pitchFamily="34" charset="0"/>
+              <a:buChar char="•"/>
+            </a:pPr>
+            <a:endParaRPr lang="en-NL" dirty="0"/>
+          </a:p>
+          <a:p>
+            <a:pPr marL="457200" indent="-457200">
+              <a:buFont typeface="Arial" panose="020B0604020202020204" pitchFamily="34" charset="0"/>
+              <a:buChar char="•"/>
+            </a:pPr>
             <a:endParaRPr lang="en-NL" dirty="0"/>
           </a:p>
         </p:txBody>
@@ -11301,7 +13352,7 @@
           <p:cNvPr id="3" name="Title 2">
             <a:extLst>
               <a:ext uri="{FF2B5EF4-FFF2-40B4-BE49-F238E27FC236}">
-                <a16:creationId xmlns:a16="http://schemas.microsoft.com/office/drawing/2014/main" id="{A6299121-4ECF-604C-AC60-88B1105256A5}"/>
+                <a16:creationId xmlns:a16="http://schemas.microsoft.com/office/drawing/2014/main" id="{117D6493-8D03-7576-BD94-CBF759B9E655}"/>
               </a:ext>
             </a:extLst>
           </p:cNvPr>
@@ -11319,152 +13370,17 @@
           <a:p>
             <a:r>
               <a:rPr lang="en-NL" dirty="0"/>
-              <a:t>Photo Circular.</a:t>
-            </a:r>
-          </a:p>
-        </p:txBody>
-      </p:sp>
-      <p:sp>
-        <p:nvSpPr>
-          <p:cNvPr id="5" name="Text Placeholder 4">
-            <a:extLst>
-              <a:ext uri="{FF2B5EF4-FFF2-40B4-BE49-F238E27FC236}">
-                <a16:creationId xmlns:a16="http://schemas.microsoft.com/office/drawing/2014/main" id="{A9963EF3-3F21-324F-8696-709868BA8748}"/>
-              </a:ext>
-            </a:extLst>
-          </p:cNvPr>
-          <p:cNvSpPr>
-            <a:spLocks noGrp="1"/>
-          </p:cNvSpPr>
-          <p:nvPr>
-            <p:ph type="body" sz="quarter" idx="11"/>
-          </p:nvPr>
-        </p:nvSpPr>
-        <p:spPr>
-          <a:xfrm>
-            <a:off x="1974849" y="7199895"/>
-            <a:ext cx="7620000" cy="3179180"/>
-          </a:xfrm>
-        </p:spPr>
-        <p:txBody>
-          <a:bodyPr>
-            <a:normAutofit/>
-          </a:bodyPr>
-          <a:lstStyle/>
-          <a:p>
-            <a:r>
-              <a:rPr lang="en-US" dirty="0"/>
-              <a:t>Paste your photo</a:t>
-            </a:r>
-            <a:endParaRPr lang="en-NL" dirty="0"/>
-          </a:p>
-          <a:p>
-            <a:pPr lvl="1">
-              <a:buClr>
-                <a:schemeClr val="accent2"/>
-              </a:buClr>
-            </a:pPr>
-            <a:r>
-              <a:rPr lang="en-US" sz="1800" dirty="0"/>
-              <a:t>Ideal situation would be a 1:1/square photo</a:t>
-            </a:r>
-          </a:p>
-          <a:p>
-            <a:pPr lvl="1">
-              <a:buClr>
-                <a:schemeClr val="accent2"/>
-              </a:buClr>
-            </a:pPr>
-            <a:r>
-              <a:rPr lang="en-US" sz="1800" dirty="0"/>
-              <a:t>If not, you can crop it with the instructions below</a:t>
-            </a:r>
-            <a:endParaRPr lang="en-NL" sz="1800" dirty="0"/>
-          </a:p>
-          <a:p>
-            <a:r>
-              <a:rPr lang="en-NL" dirty="0"/>
-              <a:t>Go to Picture Format &gt; Crop &gt; Square 1:1</a:t>
-            </a:r>
-          </a:p>
-          <a:p>
-            <a:r>
-              <a:rPr lang="en-NL" dirty="0"/>
-              <a:t>Copy and paste the formatting from the sample on the right to the new one.</a:t>
-            </a:r>
-          </a:p>
-        </p:txBody>
-      </p:sp>
-      <p:sp>
-        <p:nvSpPr>
-          <p:cNvPr id="11" name="Text Placeholder 10">
-            <a:extLst>
-              <a:ext uri="{FF2B5EF4-FFF2-40B4-BE49-F238E27FC236}">
-                <a16:creationId xmlns:a16="http://schemas.microsoft.com/office/drawing/2014/main" id="{6FC8102B-027E-5246-80BB-629161893BE2}"/>
-              </a:ext>
-            </a:extLst>
-          </p:cNvPr>
-          <p:cNvSpPr>
-            <a:spLocks noGrp="1"/>
-          </p:cNvSpPr>
-          <p:nvPr>
-            <p:ph type="body" sz="quarter" idx="14"/>
-          </p:nvPr>
-        </p:nvSpPr>
-        <p:spPr/>
-        <p:txBody>
-          <a:bodyPr/>
-          <a:lstStyle/>
-          <a:p>
-            <a:r>
-              <a:rPr lang="en-NL" dirty="0"/>
-              <a:t>How do you do this?</a:t>
-            </a:r>
-          </a:p>
-        </p:txBody>
-      </p:sp>
-      <p:sp>
-        <p:nvSpPr>
-          <p:cNvPr id="13" name="Text Placeholder 12">
-            <a:extLst>
-              <a:ext uri="{FF2B5EF4-FFF2-40B4-BE49-F238E27FC236}">
-                <a16:creationId xmlns:a16="http://schemas.microsoft.com/office/drawing/2014/main" id="{9414FCEF-93E6-174B-9FC8-3D3B7B2AE09A}"/>
-              </a:ext>
-            </a:extLst>
-          </p:cNvPr>
-          <p:cNvSpPr>
-            <a:spLocks noGrp="1"/>
-          </p:cNvSpPr>
-          <p:nvPr>
-            <p:ph type="body" sz="quarter" idx="15"/>
-          </p:nvPr>
-        </p:nvSpPr>
-        <p:spPr>
-          <a:xfrm>
-            <a:off x="1974849" y="6416675"/>
-            <a:ext cx="7619998" cy="596096"/>
-          </a:xfrm>
-        </p:spPr>
-        <p:txBody>
-          <a:bodyPr/>
-          <a:lstStyle/>
-          <a:p>
-            <a:r>
-              <a:rPr lang="en-NL" dirty="0"/>
-              <a:t>How to crop on 1:1 ratio</a:t>
-            </a:r>
-          </a:p>
-          <a:p>
-            <a:endParaRPr lang="en-NL" dirty="0"/>
+              <a:t>Jupyter</a:t>
+            </a:r>
           </a:p>
         </p:txBody>
       </p:sp>
       <p:pic>
         <p:nvPicPr>
-          <p:cNvPr id="12" name="Picture 11" descr="A group of people sitting at a table&#10;&#10;Description automatically generated">
-            <a:extLst>
-              <a:ext uri="{FF2B5EF4-FFF2-40B4-BE49-F238E27FC236}">
-                <a16:creationId xmlns:a16="http://schemas.microsoft.com/office/drawing/2014/main" id="{B9C3D217-62DF-7249-A78B-68122277A003}"/>
+          <p:cNvPr id="4" name="Content Placeholder 4" descr="Graphical user interface, text, application&#10;&#10;Description automatically generated">
+            <a:extLst>
+              <a:ext uri="{FF2B5EF4-FFF2-40B4-BE49-F238E27FC236}">
+                <a16:creationId xmlns:a16="http://schemas.microsoft.com/office/drawing/2014/main" id="{308F7AB3-8095-8D83-1F4F-42EFC35A9DE3}"/>
               </a:ext>
             </a:extLst>
           </p:cNvPr>
@@ -11474,37 +13390,89 @@
           <p:nvPr/>
         </p:nvPicPr>
         <p:blipFill rotWithShape="1">
-          <a:blip r:embed="rId2" cstate="print">
-            <a:extLst>
-              <a:ext uri="{28A0092B-C50C-407E-A947-70E740481C1C}">
-                <a14:useLocalDpi xmlns:a14="http://schemas.microsoft.com/office/drawing/2010/main" val="0"/>
-              </a:ext>
-            </a:extLst>
-          </a:blip>
-          <a:srcRect/>
+          <a:blip r:embed="rId2"/>
+          <a:srcRect r="9841" b="-3"/>
           <a:stretch/>
         </p:blipFill>
         <p:spPr>
           <a:xfrm>
-            <a:off x="10509250" y="1448763"/>
-            <a:ext cx="8031183" cy="8031183"/>
+            <a:off x="1339082" y="5870699"/>
+            <a:ext cx="4783038" cy="2984218"/>
           </a:xfrm>
-          <a:prstGeom prst="ellipse">
+          <a:prstGeom prst="rect">
             <a:avLst/>
           </a:prstGeom>
-          <a:effectLst>
-            <a:outerShdw blurRad="1270000" dist="254000" dir="5400000" algn="tl" rotWithShape="0">
-              <a:schemeClr val="tx1">
-                <a:alpha val="20000"/>
-              </a:schemeClr>
-            </a:outerShdw>
-          </a:effectLst>
+        </p:spPr>
+      </p:pic>
+      <p:pic>
+        <p:nvPicPr>
+          <p:cNvPr id="5" name="Picture 4" descr="A screenshot of a computer&#10;&#10;Description automatically generated with medium confidence">
+            <a:extLst>
+              <a:ext uri="{FF2B5EF4-FFF2-40B4-BE49-F238E27FC236}">
+                <a16:creationId xmlns:a16="http://schemas.microsoft.com/office/drawing/2014/main" id="{F5FDD86D-D805-2A9C-8F90-25EBAE231308}"/>
+              </a:ext>
+            </a:extLst>
+          </p:cNvPr>
+          <p:cNvPicPr>
+            <a:picLocks noChangeAspect="1"/>
+          </p:cNvPicPr>
+          <p:nvPr/>
+        </p:nvPicPr>
+        <p:blipFill rotWithShape="1">
+          <a:blip r:embed="rId3"/>
+          <a:srcRect t="4013" r="-2" b="-2"/>
+          <a:stretch/>
+        </p:blipFill>
+        <p:spPr>
+          <a:xfrm>
+            <a:off x="7461788" y="5870699"/>
+            <a:ext cx="4783038" cy="2984218"/>
+          </a:xfrm>
+          <a:prstGeom prst="rect">
+            <a:avLst/>
+          </a:prstGeom>
+        </p:spPr>
+      </p:pic>
+      <p:pic>
+        <p:nvPicPr>
+          <p:cNvPr id="7" name="Picture 6" descr="Text&#10;&#10;Description automatically generated">
+            <a:extLst>
+              <a:ext uri="{FF2B5EF4-FFF2-40B4-BE49-F238E27FC236}">
+                <a16:creationId xmlns:a16="http://schemas.microsoft.com/office/drawing/2014/main" id="{CB74D61E-8CD9-CA96-A73B-4EDFC5D1199E}"/>
+              </a:ext>
+            </a:extLst>
+          </p:cNvPr>
+          <p:cNvPicPr>
+            <a:picLocks noChangeAspect="1"/>
+          </p:cNvPicPr>
+          <p:nvPr/>
+        </p:nvPicPr>
+        <p:blipFill>
+          <a:blip r:embed="rId4">
+            <a:extLst>
+              <a:ext uri="{28A0092B-C50C-407E-A947-70E740481C1C}">
+                <a14:useLocalDpi xmlns:a14="http://schemas.microsoft.com/office/drawing/2010/main" val="0"/>
+              </a:ext>
+            </a:extLst>
+          </a:blip>
+          <a:stretch>
+            <a:fillRect/>
+          </a:stretch>
+        </p:blipFill>
+        <p:spPr>
+          <a:xfrm>
+            <a:off x="13341563" y="5870700"/>
+            <a:ext cx="5050216" cy="2984218"/>
+          </a:xfrm>
+          <a:prstGeom prst="rect">
+            <a:avLst/>
+          </a:prstGeom>
         </p:spPr>
       </p:pic>
     </p:spTree>
     <p:extLst>
       <p:ext uri="{BB962C8B-B14F-4D97-AF65-F5344CB8AC3E}">
-        <p14:creationId xmlns:p14="http://schemas.microsoft.com/office/powerpoint/2010/main" val="935665552"/>
+        <p14:creationId xmlns:p14="http://schemas.microsoft.com/office/powerpoint/2010/main" val="2867980496"/>
       </p:ext>
     </p:extLst>
   </p:cSld>
@@ -11545,249 +13513,10 @@
       </p:grpSpPr>
       <p:sp>
         <p:nvSpPr>
-          <p:cNvPr id="4" name="Rounded Rectangle 3">
-            <a:extLst>
-              <a:ext uri="{FF2B5EF4-FFF2-40B4-BE49-F238E27FC236}">
-                <a16:creationId xmlns:a16="http://schemas.microsoft.com/office/drawing/2014/main" id="{E1B34635-15DA-2E4E-8466-A7CC1614D286}"/>
-              </a:ext>
-            </a:extLst>
-          </p:cNvPr>
-          <p:cNvSpPr/>
-          <p:nvPr/>
-        </p:nvSpPr>
-        <p:spPr>
-          <a:xfrm>
-            <a:off x="2051050" y="2987675"/>
-            <a:ext cx="7086600" cy="3141221"/>
-          </a:xfrm>
-          <a:prstGeom prst="roundRect">
-            <a:avLst/>
-          </a:prstGeom>
-          <a:solidFill>
-            <a:schemeClr val="bg1"/>
-          </a:solidFill>
-          <a:ln>
-            <a:noFill/>
-          </a:ln>
-          <a:effectLst>
-            <a:outerShdw blurRad="1270000" dist="254000" dir="5400000" algn="tl" rotWithShape="0">
-              <a:schemeClr val="tx1">
-                <a:alpha val="20000"/>
-              </a:schemeClr>
-            </a:outerShdw>
-          </a:effectLst>
-        </p:spPr>
-        <p:style>
-          <a:lnRef idx="2">
-            <a:schemeClr val="accent1">
-              <a:shade val="50000"/>
-            </a:schemeClr>
-          </a:lnRef>
-          <a:fillRef idx="1">
-            <a:schemeClr val="accent1"/>
-          </a:fillRef>
-          <a:effectRef idx="0">
-            <a:schemeClr val="accent1"/>
-          </a:effectRef>
-          <a:fontRef idx="minor">
-            <a:schemeClr val="lt1"/>
-          </a:fontRef>
-        </p:style>
-        <p:txBody>
-          <a:bodyPr rtlCol="0" anchor="ctr"/>
-          <a:lstStyle/>
-          <a:p>
-            <a:pPr algn="ctr"/>
-            <a:endParaRPr lang="en-NL"/>
-          </a:p>
-        </p:txBody>
-      </p:sp>
-      <p:sp>
-        <p:nvSpPr>
-          <p:cNvPr id="11" name="Rounded Rectangle 10">
-            <a:extLst>
-              <a:ext uri="{FF2B5EF4-FFF2-40B4-BE49-F238E27FC236}">
-                <a16:creationId xmlns:a16="http://schemas.microsoft.com/office/drawing/2014/main" id="{BA43D443-E2BF-4348-AD8F-10DD2ACD59A0}"/>
-              </a:ext>
-            </a:extLst>
-          </p:cNvPr>
-          <p:cNvSpPr/>
-          <p:nvPr/>
-        </p:nvSpPr>
-        <p:spPr>
-          <a:xfrm>
-            <a:off x="10661650" y="2987675"/>
-            <a:ext cx="7086600" cy="3141221"/>
-          </a:xfrm>
-          <a:prstGeom prst="roundRect">
-            <a:avLst/>
-          </a:prstGeom>
-          <a:solidFill>
-            <a:schemeClr val="bg1"/>
-          </a:solidFill>
-          <a:ln>
-            <a:noFill/>
-          </a:ln>
-          <a:effectLst>
-            <a:outerShdw blurRad="1270000" dist="254000" dir="5400000" algn="tl" rotWithShape="0">
-              <a:schemeClr val="tx1">
-                <a:alpha val="20000"/>
-              </a:schemeClr>
-            </a:outerShdw>
-          </a:effectLst>
-        </p:spPr>
-        <p:style>
-          <a:lnRef idx="2">
-            <a:schemeClr val="accent1">
-              <a:shade val="50000"/>
-            </a:schemeClr>
-          </a:lnRef>
-          <a:fillRef idx="1">
-            <a:schemeClr val="accent1"/>
-          </a:fillRef>
-          <a:effectRef idx="0">
-            <a:schemeClr val="accent1"/>
-          </a:effectRef>
-          <a:fontRef idx="minor">
-            <a:schemeClr val="lt1"/>
-          </a:fontRef>
-        </p:style>
-        <p:txBody>
-          <a:bodyPr rtlCol="0" anchor="ctr"/>
-          <a:lstStyle/>
-          <a:p>
-            <a:pPr algn="ctr"/>
-            <a:endParaRPr lang="en-NL"/>
-          </a:p>
-        </p:txBody>
-      </p:sp>
-      <p:sp>
-        <p:nvSpPr>
-          <p:cNvPr id="2" name="Text Placeholder 1">
-            <a:extLst>
-              <a:ext uri="{FF2B5EF4-FFF2-40B4-BE49-F238E27FC236}">
-                <a16:creationId xmlns:a16="http://schemas.microsoft.com/office/drawing/2014/main" id="{FAE65EAC-B0BC-6845-A6E9-468C73CCACF7}"/>
-              </a:ext>
-            </a:extLst>
-          </p:cNvPr>
-          <p:cNvSpPr>
-            <a:spLocks noGrp="1"/>
-          </p:cNvSpPr>
-          <p:nvPr>
-            <p:ph type="body" sz="quarter" idx="10"/>
-          </p:nvPr>
-        </p:nvSpPr>
-        <p:spPr>
-          <a:xfrm>
-            <a:off x="2584451" y="4150488"/>
-            <a:ext cx="6095999" cy="1981200"/>
-          </a:xfrm>
-        </p:spPr>
-        <p:txBody>
-          <a:bodyPr/>
-          <a:lstStyle/>
-          <a:p>
-            <a:pPr marL="0" indent="0">
-              <a:buNone/>
-            </a:pPr>
-            <a:r>
-              <a:rPr lang="en-US" dirty="0" err="1"/>
-              <a:t>Voor</a:t>
-            </a:r>
-            <a:r>
-              <a:rPr lang="en-US" dirty="0"/>
-              <a:t> </a:t>
-            </a:r>
-            <a:r>
-              <a:rPr lang="en-US" dirty="0" err="1"/>
-              <a:t>vlakken</a:t>
-            </a:r>
-            <a:r>
-              <a:rPr lang="en-US" dirty="0"/>
-              <a:t> achter </a:t>
-            </a:r>
-            <a:r>
-              <a:rPr lang="en-US" dirty="0" err="1"/>
-              <a:t>een</a:t>
-            </a:r>
-            <a:r>
-              <a:rPr lang="en-US" dirty="0"/>
-              <a:t> </a:t>
-            </a:r>
-            <a:r>
-              <a:rPr lang="en-US" dirty="0" err="1"/>
-              <a:t>tekst</a:t>
-            </a:r>
-            <a:r>
-              <a:rPr lang="en-US" dirty="0"/>
-              <a:t>, of </a:t>
-            </a:r>
-            <a:r>
-              <a:rPr lang="en-US" dirty="0" err="1"/>
-              <a:t>andere</a:t>
-            </a:r>
-            <a:r>
-              <a:rPr lang="en-US" dirty="0"/>
-              <a:t> </a:t>
-            </a:r>
-            <a:r>
-              <a:rPr lang="en-US" dirty="0" err="1"/>
-              <a:t>elementen</a:t>
-            </a:r>
-            <a:r>
-              <a:rPr lang="en-US" dirty="0"/>
-              <a:t> die </a:t>
-            </a:r>
-            <a:r>
-              <a:rPr lang="en-US" dirty="0" err="1"/>
-              <a:t>kadering</a:t>
-            </a:r>
-            <a:r>
-              <a:rPr lang="en-US" dirty="0"/>
-              <a:t> </a:t>
-            </a:r>
-            <a:r>
-              <a:rPr lang="en-US" dirty="0" err="1"/>
-              <a:t>nodig</a:t>
-            </a:r>
-            <a:r>
-              <a:rPr lang="en-US" dirty="0"/>
-              <a:t> </a:t>
-            </a:r>
-            <a:r>
-              <a:rPr lang="en-US" dirty="0" err="1"/>
-              <a:t>hebben</a:t>
-            </a:r>
-            <a:r>
-              <a:rPr lang="en-US" dirty="0"/>
-              <a:t>. (</a:t>
-            </a:r>
-            <a:r>
-              <a:rPr lang="en-US" dirty="0" err="1"/>
-              <a:t>Niet</a:t>
-            </a:r>
-            <a:r>
-              <a:rPr lang="en-US" dirty="0"/>
-              <a:t> </a:t>
-            </a:r>
-            <a:r>
-              <a:rPr lang="en-US" dirty="0" err="1"/>
-              <a:t>verplicht</a:t>
-            </a:r>
-            <a:r>
-              <a:rPr lang="en-US" dirty="0"/>
-              <a:t>)</a:t>
-            </a:r>
-            <a:endParaRPr lang="en-NL" dirty="0"/>
-          </a:p>
-        </p:txBody>
-      </p:sp>
-      <p:sp>
-        <p:nvSpPr>
-          <p:cNvPr id="3" name="Title 2">
-            <a:extLst>
-              <a:ext uri="{FF2B5EF4-FFF2-40B4-BE49-F238E27FC236}">
-                <a16:creationId xmlns:a16="http://schemas.microsoft.com/office/drawing/2014/main" id="{A6299121-4ECF-604C-AC60-88B1105256A5}"/>
+          <p:cNvPr id="7" name="Title 6">
+            <a:extLst>
+              <a:ext uri="{FF2B5EF4-FFF2-40B4-BE49-F238E27FC236}">
+                <a16:creationId xmlns:a16="http://schemas.microsoft.com/office/drawing/2014/main" id="{24C6CF83-2244-3177-AD5D-51E379B5411F}"/>
               </a:ext>
             </a:extLst>
           </p:cNvPr>
@@ -11798,38 +13527,10 @@
             <p:ph type="title"/>
           </p:nvPr>
         </p:nvSpPr>
-        <p:spPr/>
-        <p:txBody>
-          <a:bodyPr/>
-          <a:lstStyle/>
-          <a:p>
-            <a:r>
-              <a:rPr lang="en-NL" dirty="0"/>
-              <a:t>Drop Shadow Element.</a:t>
-            </a:r>
-          </a:p>
-        </p:txBody>
-      </p:sp>
-      <p:sp>
-        <p:nvSpPr>
-          <p:cNvPr id="5" name="Text Placeholder 4">
-            <a:extLst>
-              <a:ext uri="{FF2B5EF4-FFF2-40B4-BE49-F238E27FC236}">
-                <a16:creationId xmlns:a16="http://schemas.microsoft.com/office/drawing/2014/main" id="{A9963EF3-3F21-324F-8696-709868BA8748}"/>
-              </a:ext>
-            </a:extLst>
-          </p:cNvPr>
-          <p:cNvSpPr>
-            <a:spLocks noGrp="1"/>
-          </p:cNvSpPr>
-          <p:nvPr>
-            <p:ph type="body" sz="quarter" idx="11"/>
-          </p:nvPr>
-        </p:nvSpPr>
         <p:spPr>
           <a:xfrm>
-            <a:off x="11118852" y="4151896"/>
-            <a:ext cx="7620000" cy="1981200"/>
+            <a:off x="1974850" y="326083"/>
+            <a:ext cx="16574144" cy="1066800"/>
           </a:xfrm>
         </p:spPr>
         <p:txBody>
@@ -11837,104 +13538,18 @@
           <a:lstStyle/>
           <a:p>
             <a:r>
-              <a:rPr lang="en-US" dirty="0"/>
-              <a:t>Bullet 1</a:t>
-            </a:r>
-            <a:endParaRPr lang="en-NL" dirty="0"/>
-          </a:p>
-          <a:p>
-            <a:r>
-              <a:rPr lang="en-US" dirty="0"/>
-              <a:t>Bullet 2</a:t>
-            </a:r>
-          </a:p>
-          <a:p>
-            <a:r>
-              <a:rPr lang="en-US" dirty="0"/>
-              <a:t>Bullet 3</a:t>
-            </a:r>
-            <a:endParaRPr lang="en-NL" dirty="0"/>
-          </a:p>
-          <a:p>
-            <a:endParaRPr lang="en-US" dirty="0"/>
-          </a:p>
-        </p:txBody>
-      </p:sp>
-      <p:sp>
-        <p:nvSpPr>
-          <p:cNvPr id="13" name="Text Placeholder 12">
-            <a:extLst>
-              <a:ext uri="{FF2B5EF4-FFF2-40B4-BE49-F238E27FC236}">
-                <a16:creationId xmlns:a16="http://schemas.microsoft.com/office/drawing/2014/main" id="{C6BC17A5-7244-6146-809B-61E660B1A4DE}"/>
-              </a:ext>
-            </a:extLst>
-          </p:cNvPr>
-          <p:cNvSpPr>
-            <a:spLocks noGrp="1"/>
-          </p:cNvSpPr>
-          <p:nvPr>
-            <p:ph type="body" sz="quarter" idx="14"/>
-          </p:nvPr>
-        </p:nvSpPr>
-        <p:spPr>
-          <a:xfrm>
-            <a:off x="2584450" y="3403399"/>
-            <a:ext cx="7619998" cy="596096"/>
-          </a:xfrm>
-        </p:spPr>
-        <p:txBody>
-          <a:bodyPr/>
-          <a:lstStyle/>
-          <a:p>
-            <a:r>
               <a:rPr lang="en-NL" dirty="0"/>
-              <a:t>Drop Shadow</a:t>
-            </a:r>
-          </a:p>
-          <a:p>
-            <a:endParaRPr lang="en-NL" dirty="0"/>
-          </a:p>
-        </p:txBody>
-      </p:sp>
-      <p:sp>
-        <p:nvSpPr>
-          <p:cNvPr id="14" name="Text Placeholder 13">
-            <a:extLst>
-              <a:ext uri="{FF2B5EF4-FFF2-40B4-BE49-F238E27FC236}">
-                <a16:creationId xmlns:a16="http://schemas.microsoft.com/office/drawing/2014/main" id="{F39383B1-DB26-ED4D-8A6D-20E85783D146}"/>
-              </a:ext>
-            </a:extLst>
-          </p:cNvPr>
-          <p:cNvSpPr>
-            <a:spLocks noGrp="1"/>
-          </p:cNvSpPr>
-          <p:nvPr>
-            <p:ph type="body" sz="quarter" idx="15"/>
-          </p:nvPr>
-        </p:nvSpPr>
-        <p:spPr>
-          <a:xfrm>
-            <a:off x="11118852" y="3368675"/>
-            <a:ext cx="7619998" cy="596096"/>
-          </a:xfrm>
-        </p:spPr>
-        <p:txBody>
-          <a:bodyPr/>
-          <a:lstStyle/>
-          <a:p>
-            <a:r>
-              <a:rPr lang="en-NL" dirty="0"/>
-              <a:t>Just a sample</a:t>
+              <a:t>Eerste stappen met Jupyter in Colab</a:t>
             </a:r>
           </a:p>
         </p:txBody>
       </p:sp>
       <p:pic>
         <p:nvPicPr>
-          <p:cNvPr id="15" name="Picture 14" descr="A group of people sitting at a table&#10;&#10;Description automatically generated">
-            <a:extLst>
-              <a:ext uri="{FF2B5EF4-FFF2-40B4-BE49-F238E27FC236}">
-                <a16:creationId xmlns:a16="http://schemas.microsoft.com/office/drawing/2014/main" id="{EC7C924D-BDEB-AE47-9F47-74B884E9DA52}"/>
+          <p:cNvPr id="11" name="Picture 10" descr="Graphical user interface, application, website&#10;&#10;Description automatically generated">
+            <a:extLst>
+              <a:ext uri="{FF2B5EF4-FFF2-40B4-BE49-F238E27FC236}">
+                <a16:creationId xmlns:a16="http://schemas.microsoft.com/office/drawing/2014/main" id="{3E87ECFA-C9C0-47AD-AC70-2C9B0CEC3328}"/>
               </a:ext>
             </a:extLst>
           </p:cNvPr>
@@ -11944,37 +13559,30 @@
           <p:nvPr/>
         </p:nvPicPr>
         <p:blipFill rotWithShape="1">
-          <a:blip r:embed="rId2" cstate="print">
+          <a:blip r:embed="rId3">
             <a:extLst>
               <a:ext uri="{28A0092B-C50C-407E-A947-70E740481C1C}">
                 <a14:useLocalDpi xmlns:a14="http://schemas.microsoft.com/office/drawing/2010/main" val="0"/>
               </a:ext>
             </a:extLst>
           </a:blip>
-          <a:srcRect/>
+          <a:srcRect b="28446"/>
           <a:stretch/>
         </p:blipFill>
         <p:spPr>
           <a:xfrm>
-            <a:off x="6725050" y="5578475"/>
-            <a:ext cx="3669899" cy="3669899"/>
+            <a:off x="1411090" y="1622227"/>
+            <a:ext cx="17820727" cy="9170461"/>
           </a:xfrm>
-          <a:prstGeom prst="ellipse">
+          <a:prstGeom prst="rect">
             <a:avLst/>
           </a:prstGeom>
-          <a:effectLst>
-            <a:outerShdw blurRad="1270000" dist="254000" dir="5400000" algn="tl" rotWithShape="0">
-              <a:schemeClr val="tx1">
-                <a:alpha val="20000"/>
-              </a:schemeClr>
-            </a:outerShdw>
-          </a:effectLst>
         </p:spPr>
       </p:pic>
     </p:spTree>
     <p:extLst>
       <p:ext uri="{BB962C8B-B14F-4D97-AF65-F5344CB8AC3E}">
-        <p14:creationId xmlns:p14="http://schemas.microsoft.com/office/powerpoint/2010/main" val="670858236"/>
+        <p14:creationId xmlns:p14="http://schemas.microsoft.com/office/powerpoint/2010/main" val="2552502446"/>
       </p:ext>
     </p:extLst>
   </p:cSld>
@@ -13617,6 +15225,15 @@
 </file>
 
 <file path=customXml/item2.xml><?xml version="1.0" encoding="utf-8"?>
+<?mso-contentType ?>
+<FormTemplates xmlns="http://schemas.microsoft.com/sharepoint/v3/contenttype/forms">
+  <Display>DocumentLibraryForm</Display>
+  <Edit>DocumentLibraryForm</Edit>
+  <New>DocumentLibraryForm</New>
+</FormTemplates>
+</file>
+
+<file path=customXml/item3.xml><?xml version="1.0" encoding="utf-8"?>
 <p:properties xmlns:p="http://schemas.microsoft.com/office/2006/metadata/properties" xmlns:xsi="http://www.w3.org/2001/XMLSchema-instance" xmlns:pc="http://schemas.microsoft.com/office/infopath/2007/PartnerControls">
   <documentManagement>
     <Thumbnail xmlns="03c9e960-e011-48ce-96a3-157fa4d8142c" xsi:nil="true"/>
@@ -13629,15 +15246,6 @@
     </SharedWithUsers>
   </documentManagement>
 </p:properties>
-</file>
-
-<file path=customXml/item3.xml><?xml version="1.0" encoding="utf-8"?>
-<?mso-contentType ?>
-<FormTemplates xmlns="http://schemas.microsoft.com/sharepoint/v3/contenttype/forms">
-  <Display>DocumentLibraryForm</Display>
-  <Edit>DocumentLibraryForm</Edit>
-  <New>DocumentLibraryForm</New>
-</FormTemplates>
 </file>
 
 <file path=customXml/itemProps1.xml><?xml version="1.0" encoding="utf-8"?>
@@ -13660,6 +15268,14 @@
 </file>
 
 <file path=customXml/itemProps2.xml><?xml version="1.0" encoding="utf-8"?>
+<ds:datastoreItem xmlns:ds="http://schemas.openxmlformats.org/officeDocument/2006/customXml" ds:itemID="{73C3DBDD-D09C-4189-B32D-91A362E3BB9B}">
+  <ds:schemaRefs>
+    <ds:schemaRef ds:uri="http://schemas.microsoft.com/sharepoint/v3/contenttype/forms"/>
+  </ds:schemaRefs>
+</ds:datastoreItem>
+</file>
+
+<file path=customXml/itemProps3.xml><?xml version="1.0" encoding="utf-8"?>
 <ds:datastoreItem xmlns:ds="http://schemas.openxmlformats.org/officeDocument/2006/customXml" ds:itemID="{E9601818-D338-42C2-955F-72CD31804AAE}">
   <ds:schemaRefs>
     <ds:schemaRef ds:uri="03c9e960-e011-48ce-96a3-157fa4d8142c"/>
@@ -13674,12 +15290,4 @@
     <ds:schemaRef ds:uri="http://schemas.openxmlformats.org/package/2006/metadata/core-properties"/>
   </ds:schemaRefs>
 </ds:datastoreItem>
-</file>
-
-<file path=customXml/itemProps3.xml><?xml version="1.0" encoding="utf-8"?>
-<ds:datastoreItem xmlns:ds="http://schemas.openxmlformats.org/officeDocument/2006/customXml" ds:itemID="{73C3DBDD-D09C-4189-B32D-91A362E3BB9B}">
-  <ds:schemaRefs>
-    <ds:schemaRef ds:uri="http://schemas.microsoft.com/sharepoint/v3/contenttype/forms"/>
-  </ds:schemaRefs>
-</ds:datastoreItem>
 </file>
--- a/Python Fundamentals for Data Engineers and Data Scientists.pptx
+++ b/Python Fundamentals for Data Engineers and Data Scientists.pptx
@@ -229,7 +229,7 @@
           <a:p>
             <a:fld id="{9583188F-74F4-7A41-9CFF-649E932BCE61}" type="datetimeFigureOut">
               <a:rPr lang="en-NL" smtClean="0"/>
-              <a:t>19/10/2022</a:t>
+              <a:t>06/07/2023</a:t>
             </a:fld>
             <a:endParaRPr lang="en-NL"/>
           </a:p>
@@ -9919,7 +9919,7 @@
         <p:spPr/>
         <p:txBody>
           <a:bodyPr>
-            <a:normAutofit fontScale="92500" lnSpcReduction="10000"/>
+            <a:normAutofit fontScale="85000" lnSpcReduction="10000"/>
           </a:bodyPr>
           <a:lstStyle/>
           <a:p>
@@ -9941,6 +9941,30 @@
               <a:rPr lang="en-NL" dirty="0"/>
               <a:t>Tab completion</a:t>
             </a:r>
+            <a:endParaRPr lang="en-US" dirty="0"/>
+          </a:p>
+          <a:p>
+            <a:pPr marL="1428750" lvl="1" indent="-285750">
+              <a:buFont typeface="Arial" panose="020B0604020202020204" pitchFamily="34" charset="0"/>
+              <a:buChar char="•"/>
+            </a:pPr>
+            <a:r>
+              <a:rPr lang="en-US" dirty="0" err="1"/>
+              <a:t>Colab</a:t>
+            </a:r>
+            <a:r>
+              <a:rPr lang="en-US" dirty="0"/>
+              <a:t>: </a:t>
+            </a:r>
+            <a:r>
+              <a:rPr lang="en-US" dirty="0" err="1"/>
+              <a:t>Ctrl+Space</a:t>
+            </a:r>
+            <a:r>
+              <a:rPr lang="en-US" dirty="0"/>
+              <a:t> </a:t>
+            </a:r>
+            <a:endParaRPr lang="en-NL" dirty="0"/>
           </a:p>
           <a:p>
             <a:pPr marL="342900" indent="-342900">
@@ -9951,6 +9975,22 @@
               <a:rPr lang="en-NL" dirty="0"/>
               <a:t>Nieuwe cell: Escape gevolgd door a (above) of b (below) of dd (delete)</a:t>
             </a:r>
+            <a:endParaRPr lang="en-US" dirty="0"/>
+          </a:p>
+          <a:p>
+            <a:pPr marL="1485900" lvl="1" indent="-342900">
+              <a:buFont typeface="Arial" panose="020B0604020202020204" pitchFamily="34" charset="0"/>
+              <a:buChar char="•"/>
+            </a:pPr>
+            <a:r>
+              <a:rPr lang="en-US" dirty="0" err="1"/>
+              <a:t>Colab</a:t>
+            </a:r>
+            <a:r>
+              <a:rPr lang="en-US" dirty="0"/>
+              <a:t>: a (above), b (below), Ctrl +m d (delete)</a:t>
+            </a:r>
+            <a:endParaRPr lang="en-NL" dirty="0"/>
           </a:p>
           <a:p>
             <a:pPr marL="285750" indent="-285750">
@@ -9961,6 +10001,22 @@
               <a:rPr lang="en-NL" dirty="0"/>
               <a:t>Shift Tab to see arguments and information about methods, functions or classes</a:t>
             </a:r>
+            <a:endParaRPr lang="en-US" dirty="0"/>
+          </a:p>
+          <a:p>
+            <a:pPr marL="1428750" lvl="1" indent="-285750">
+              <a:buFont typeface="Arial" panose="020B0604020202020204" pitchFamily="34" charset="0"/>
+              <a:buChar char="•"/>
+            </a:pPr>
+            <a:r>
+              <a:rPr lang="en-US" dirty="0" err="1"/>
+              <a:t>Colab</a:t>
+            </a:r>
+            <a:r>
+              <a:rPr lang="en-US" dirty="0"/>
+              <a:t>: Ctrl + Space</a:t>
+            </a:r>
+            <a:endParaRPr lang="en-NL" dirty="0"/>
           </a:p>
           <a:p>
             <a:pPr marL="285750" indent="-285750">
@@ -13448,7 +13504,7 @@
           <p:nvPr/>
         </p:nvPicPr>
         <p:blipFill>
-          <a:blip r:embed="rId4">
+          <a:blip r:embed="rId4" cstate="print">
             <a:extLst>
               <a:ext uri="{28A0092B-C50C-407E-A947-70E740481C1C}">
                 <a14:useLocalDpi xmlns:a14="http://schemas.microsoft.com/office/drawing/2010/main" val="0"/>
@@ -15225,15 +15281,6 @@
 </file>
 
 <file path=customXml/item2.xml><?xml version="1.0" encoding="utf-8"?>
-<?mso-contentType ?>
-<FormTemplates xmlns="http://schemas.microsoft.com/sharepoint/v3/contenttype/forms">
-  <Display>DocumentLibraryForm</Display>
-  <Edit>DocumentLibraryForm</Edit>
-  <New>DocumentLibraryForm</New>
-</FormTemplates>
-</file>
-
-<file path=customXml/item3.xml><?xml version="1.0" encoding="utf-8"?>
 <p:properties xmlns:p="http://schemas.microsoft.com/office/2006/metadata/properties" xmlns:xsi="http://www.w3.org/2001/XMLSchema-instance" xmlns:pc="http://schemas.microsoft.com/office/infopath/2007/PartnerControls">
   <documentManagement>
     <Thumbnail xmlns="03c9e960-e011-48ce-96a3-157fa4d8142c" xsi:nil="true"/>
@@ -15246,6 +15293,15 @@
     </SharedWithUsers>
   </documentManagement>
 </p:properties>
+</file>
+
+<file path=customXml/item3.xml><?xml version="1.0" encoding="utf-8"?>
+<?mso-contentType ?>
+<FormTemplates xmlns="http://schemas.microsoft.com/sharepoint/v3/contenttype/forms">
+  <Display>DocumentLibraryForm</Display>
+  <Edit>DocumentLibraryForm</Edit>
+  <New>DocumentLibraryForm</New>
+</FormTemplates>
 </file>
 
 <file path=customXml/itemProps1.xml><?xml version="1.0" encoding="utf-8"?>
@@ -15268,14 +15324,6 @@
 </file>
 
 <file path=customXml/itemProps2.xml><?xml version="1.0" encoding="utf-8"?>
-<ds:datastoreItem xmlns:ds="http://schemas.openxmlformats.org/officeDocument/2006/customXml" ds:itemID="{73C3DBDD-D09C-4189-B32D-91A362E3BB9B}">
-  <ds:schemaRefs>
-    <ds:schemaRef ds:uri="http://schemas.microsoft.com/sharepoint/v3/contenttype/forms"/>
-  </ds:schemaRefs>
-</ds:datastoreItem>
-</file>
-
-<file path=customXml/itemProps3.xml><?xml version="1.0" encoding="utf-8"?>
 <ds:datastoreItem xmlns:ds="http://schemas.openxmlformats.org/officeDocument/2006/customXml" ds:itemID="{E9601818-D338-42C2-955F-72CD31804AAE}">
   <ds:schemaRefs>
     <ds:schemaRef ds:uri="03c9e960-e011-48ce-96a3-157fa4d8142c"/>
@@ -15290,4 +15338,18 @@
     <ds:schemaRef ds:uri="http://schemas.openxmlformats.org/package/2006/metadata/core-properties"/>
   </ds:schemaRefs>
 </ds:datastoreItem>
+</file>
+
+<file path=customXml/itemProps3.xml><?xml version="1.0" encoding="utf-8"?>
+<ds:datastoreItem xmlns:ds="http://schemas.openxmlformats.org/officeDocument/2006/customXml" ds:itemID="{73C3DBDD-D09C-4189-B32D-91A362E3BB9B}">
+  <ds:schemaRefs>
+    <ds:schemaRef ds:uri="http://schemas.microsoft.com/sharepoint/v3/contenttype/forms"/>
+  </ds:schemaRefs>
+</ds:datastoreItem>
+</file>
+
+<file path=docMetadata/LabelInfo.xml><?xml version="1.0" encoding="utf-8"?>
+<clbl:labelList xmlns:clbl="http://schemas.microsoft.com/office/2020/mipLabelMetadata">
+  <clbl:label id="{6ade84ad-3c6b-4480-bb7a-7694e5cb1e58}" enabled="1" method="Privileged" siteId="{b1a6616c-9473-4cab-82b6-b6affeed3e12}" removed="0"/>
+</clbl:labelList>
 </file>